--- a/presentation/NBA_Capstone_Presentation_Final - Tengis Erkhiimergen.pptx
+++ b/presentation/NBA_Capstone_Presentation_Final - Tengis Erkhiimergen.pptx
@@ -5,7 +5,7 @@
     <p:sldMasterId id="2147483648" r:id="rId1"/>
   </p:sldMasterIdLst>
   <p:notesMasterIdLst>
-    <p:notesMasterId r:id="rId18"/>
+    <p:notesMasterId r:id="rId20"/>
   </p:notesMasterIdLst>
   <p:sldIdLst>
     <p:sldId id="256" r:id="rId2"/>
@@ -14,16 +14,18 @@
     <p:sldId id="259" r:id="rId5"/>
     <p:sldId id="260" r:id="rId6"/>
     <p:sldId id="261" r:id="rId7"/>
-    <p:sldId id="262" r:id="rId8"/>
-    <p:sldId id="270" r:id="rId9"/>
-    <p:sldId id="271" r:id="rId10"/>
-    <p:sldId id="272" r:id="rId11"/>
-    <p:sldId id="273" r:id="rId12"/>
-    <p:sldId id="274" r:id="rId13"/>
-    <p:sldId id="265" r:id="rId14"/>
-    <p:sldId id="266" r:id="rId15"/>
-    <p:sldId id="267" r:id="rId16"/>
-    <p:sldId id="268" r:id="rId17"/>
+    <p:sldId id="275" r:id="rId8"/>
+    <p:sldId id="276" r:id="rId9"/>
+    <p:sldId id="262" r:id="rId10"/>
+    <p:sldId id="270" r:id="rId11"/>
+    <p:sldId id="271" r:id="rId12"/>
+    <p:sldId id="272" r:id="rId13"/>
+    <p:sldId id="273" r:id="rId14"/>
+    <p:sldId id="274" r:id="rId15"/>
+    <p:sldId id="265" r:id="rId16"/>
+    <p:sldId id="266" r:id="rId17"/>
+    <p:sldId id="267" r:id="rId18"/>
+    <p:sldId id="268" r:id="rId19"/>
   </p:sldIdLst>
   <p:sldSz cx="24384000" cy="13716000"/>
   <p:notesSz cx="6858000" cy="9144000"/>
@@ -442,6 +444,11 @@
       </a:defRPr>
     </a:lvl9pPr>
   </p:defaultTextStyle>
+  <p:extLst>
+    <p:ext uri="{EFAFB233-063F-42B5-8137-9DF3F51BA10A}">
+      <p15:sldGuideLst xmlns:p15="http://schemas.microsoft.com/office/powerpoint/2012/main"/>
+    </p:ext>
+  </p:extLst>
 </p:presentation>
 </file>
 
@@ -5631,7 +5638,7 @@
           </a:ln>
           <a:extLst>
             <a:ext uri="{C572A759-6A51-4108-AA02-DFA0A04FC94B}">
-              <ma14:wrappingTextBoxFlag xmlns:ma14="http://schemas.microsoft.com/office/mac/drawingml/2011/main" xmlns:a14="http://schemas.microsoft.com/office/drawing/2010/main" xmlns:m="http://schemas.openxmlformats.org/officeDocument/2006/math" xmlns="" val="1"/>
+              <ma14:wrappingTextBoxFlag xmlns="" xmlns:m="http://schemas.openxmlformats.org/officeDocument/2006/math" xmlns:a14="http://schemas.microsoft.com/office/drawing/2010/main" xmlns:ma14="http://schemas.microsoft.com/office/mac/drawingml/2011/main" val="1"/>
             </a:ext>
           </a:extLst>
         </p:spPr>
@@ -5762,7 +5769,7 @@
           </a:ln>
           <a:extLst>
             <a:ext uri="{C572A759-6A51-4108-AA02-DFA0A04FC94B}">
-              <ma14:wrappingTextBoxFlag xmlns:ma14="http://schemas.microsoft.com/office/mac/drawingml/2011/main" xmlns:a14="http://schemas.microsoft.com/office/drawing/2010/main" xmlns:m="http://schemas.openxmlformats.org/officeDocument/2006/math" xmlns="" val="1"/>
+              <ma14:wrappingTextBoxFlag xmlns="" xmlns:m="http://schemas.openxmlformats.org/officeDocument/2006/math" xmlns:a14="http://schemas.microsoft.com/office/drawing/2010/main" xmlns:ma14="http://schemas.microsoft.com/office/mac/drawingml/2011/main" val="1"/>
             </a:ext>
           </a:extLst>
         </p:spPr>
@@ -6597,12 +6604,190 @@
           <a:chExt cx="0" cy="0"/>
         </a:xfrm>
       </p:grpSpPr>
+      <p:sp>
+        <p:nvSpPr>
+          <p:cNvPr id="190" name="Storytelling with Data"/>
+          <p:cNvSpPr txBox="1">
+            <a:spLocks noGrp="1"/>
+          </p:cNvSpPr>
+          <p:nvPr>
+            <p:ph type="title"/>
+          </p:nvPr>
+        </p:nvSpPr>
+        <p:spPr>
+          <a:xfrm>
+            <a:off x="13665200" y="4692904"/>
+            <a:ext cx="9271000" cy="2540000"/>
+          </a:xfrm>
+        </p:spPr>
+        <p:txBody>
+          <a:bodyPr anchor="t">
+            <a:normAutofit/>
+          </a:bodyPr>
+          <a:lstStyle/>
+          <a:p>
+            <a:r>
+              <a:rPr lang="en-US" sz="5600" dirty="0"/>
+              <a:t>NBA Game Performance Analysis: Exploring Home Court Advantage and Scoring Trends</a:t>
+            </a:r>
+          </a:p>
+        </p:txBody>
+      </p:sp>
+      <p:sp>
+        <p:nvSpPr>
+          <p:cNvPr id="191" name="Presentation Template"/>
+          <p:cNvSpPr txBox="1">
+            <a:spLocks noGrp="1"/>
+          </p:cNvSpPr>
+          <p:nvPr>
+            <p:ph type="body" sz="quarter" idx="1"/>
+          </p:nvPr>
+        </p:nvSpPr>
+        <p:spPr>
+          <a:xfrm>
+            <a:off x="13665200" y="7394448"/>
+            <a:ext cx="9271000" cy="2312637"/>
+          </a:xfrm>
+        </p:spPr>
+        <p:txBody>
+          <a:bodyPr>
+            <a:normAutofit/>
+          </a:bodyPr>
+          <a:lstStyle/>
+          <a:p>
+            <a:pPr>
+              <a:spcAft>
+                <a:spcPts val="600"/>
+              </a:spcAft>
+            </a:pPr>
+            <a:r>
+              <a:rPr lang="en-US" dirty="0"/>
+              <a:t>Storytelling with Data — Capstone Project</a:t>
+            </a:r>
+          </a:p>
+        </p:txBody>
+      </p:sp>
+      <p:sp>
+        <p:nvSpPr>
+          <p:cNvPr id="3" name="TextBox 2">
+            <a:extLst>
+              <a:ext uri="{FF2B5EF4-FFF2-40B4-BE49-F238E27FC236}">
+                <a16:creationId xmlns:a16="http://schemas.microsoft.com/office/drawing/2014/main" id="{005923B0-178E-C8D2-DD56-803D993FC02A}"/>
+              </a:ext>
+            </a:extLst>
+          </p:cNvPr>
+          <p:cNvSpPr txBox="1"/>
+          <p:nvPr/>
+        </p:nvSpPr>
+        <p:spPr>
+          <a:xfrm>
+            <a:off x="13665200" y="4048760"/>
+            <a:ext cx="9271000" cy="482600"/>
+          </a:xfrm>
+          <a:prstGeom prst="rect">
+            <a:avLst/>
+          </a:prstGeom>
+          <a:ln w="12700">
+            <a:miter lim="400000"/>
+          </a:ln>
+          <a:extLst>
+            <a:ext uri="{C572A759-6A51-4108-AA02-DFA0A04FC94B}">
+              <ma14:wrappingTextBoxFlag xmlns:ma14="http://schemas.microsoft.com/office/mac/drawingml/2011/main" xmlns:a14="http://schemas.microsoft.com/office/drawing/2010/main" xmlns:m="http://schemas.openxmlformats.org/officeDocument/2006/math" xmlns="" val="1"/>
+            </a:ext>
+          </a:extLst>
+        </p:spPr>
+        <p:style>
+          <a:lnRef idx="0">
+            <a:scrgbClr r="0" g="0" b="0"/>
+          </a:lnRef>
+          <a:fillRef idx="0">
+            <a:scrgbClr r="0" g="0" b="0"/>
+          </a:fillRef>
+          <a:effectRef idx="0">
+            <a:scrgbClr r="0" g="0" b="0"/>
+          </a:effectRef>
+          <a:fontRef idx="none"/>
+        </p:style>
+        <p:txBody>
+          <a:bodyPr rot="0" spcFirstLastPara="1" vertOverflow="overflow" horzOverflow="overflow" vert="horz" lIns="50800" tIns="50800" rIns="50800" bIns="50800" numCol="1" spcCol="38100" rtlCol="0" anchor="ctr">
+            <a:noAutofit/>
+          </a:bodyPr>
+          <a:lstStyle/>
+          <a:p>
+            <a:pPr defTabSz="685800" fontAlgn="auto" hangingPunct="0">
+              <a:spcBef>
+                <a:spcPts val="0"/>
+              </a:spcBef>
+              <a:spcAft>
+                <a:spcPts val="600"/>
+              </a:spcAft>
+              <a:tabLst/>
+            </a:pPr>
+            <a:r>
+              <a:rPr kumimoji="0" lang="en-US" sz="1600" b="1" i="0" u="none" strike="noStrike" cap="all" spc="0" normalizeH="0" baseline="0" dirty="0">
+                <a:ln>
+                  <a:noFill/>
+                </a:ln>
+                <a:solidFill>
+                  <a:srgbClr val="227AAF"/>
+                </a:solidFill>
+                <a:effectLst/>
+                <a:uFillTx/>
+              </a:rPr>
+              <a:t>Tengis </a:t>
+            </a:r>
+            <a:r>
+              <a:rPr kumimoji="0" lang="en-US" sz="1600" b="1" i="0" u="none" strike="noStrike" cap="all" spc="0" normalizeH="0" baseline="0" dirty="0" err="1">
+                <a:ln>
+                  <a:noFill/>
+                </a:ln>
+                <a:solidFill>
+                  <a:srgbClr val="227AAF"/>
+                </a:solidFill>
+                <a:effectLst/>
+                <a:uFillTx/>
+              </a:rPr>
+              <a:t>Erkhiimergen</a:t>
+            </a:r>
+            <a:endParaRPr kumimoji="0" lang="en-US" sz="1600" b="1" i="0" u="none" strike="noStrike" cap="all" spc="0" normalizeH="0" baseline="0" dirty="0">
+              <a:ln>
+                <a:noFill/>
+              </a:ln>
+              <a:solidFill>
+                <a:srgbClr val="227AAF"/>
+              </a:solidFill>
+              <a:effectLst/>
+              <a:uFillTx/>
+            </a:endParaRPr>
+          </a:p>
+          <a:p>
+            <a:pPr defTabSz="685800">
+              <a:spcBef>
+                <a:spcPts val="0"/>
+              </a:spcBef>
+              <a:spcAft>
+                <a:spcPts val="600"/>
+              </a:spcAft>
+              <a:tabLst/>
+            </a:pPr>
+            <a:r>
+              <a:rPr lang="en-US" sz="1600" b="1" i="0" u="none" strike="noStrike" cap="all" spc="0" baseline="0" dirty="0">
+                <a:solidFill>
+                  <a:srgbClr val="227AAF"/>
+                </a:solidFill>
+                <a:uFillTx/>
+              </a:rPr>
+              <a:t>Date: October 27, 2025</a:t>
+            </a:r>
+          </a:p>
+        </p:txBody>
+      </p:sp>
       <p:pic>
         <p:nvPicPr>
-          <p:cNvPr id="5124" name="Picture 4" descr="Data-Driven Performance Improvements: Basketball and actionable insights">
+          <p:cNvPr id="1026" name="Picture 2" descr="How Mapping Shots In The NBA Changed It Forever | FiveThirtyEight">
             <a:extLst>
               <a:ext uri="{FF2B5EF4-FFF2-40B4-BE49-F238E27FC236}">
-                <a16:creationId xmlns:a16="http://schemas.microsoft.com/office/drawing/2014/main" id="{CFF0626D-B832-C024-1C3F-00F322D139EE}"/>
+                <a16:creationId xmlns:a16="http://schemas.microsoft.com/office/drawing/2014/main" id="{21B9CF48-A01A-F57B-12DB-2E58597B8807}"/>
               </a:ext>
             </a:extLst>
           </p:cNvPr>
@@ -6619,22 +6804,20 @@
               </a:ext>
             </a:extLst>
           </a:blip>
-          <a:srcRect l="27083"/>
+          <a:srcRect/>
           <a:stretch>
             <a:fillRect/>
           </a:stretch>
         </p:blipFill>
         <p:spPr bwMode="auto">
           <a:xfrm>
-            <a:off x="-3352800" y="10"/>
-            <a:ext cx="16002000" cy="13715990"/>
+            <a:off x="792480" y="1191260"/>
+            <a:ext cx="12539169" cy="11333480"/>
           </a:xfrm>
           <a:prstGeom prst="rect">
             <a:avLst/>
           </a:prstGeom>
-          <a:solidFill>
-            <a:srgbClr val="FFFFFF"/>
-          </a:solidFill>
+          <a:noFill/>
           <a:extLst>
             <a:ext uri="{909E8E84-426E-40DD-AFC4-6F175D3DCCD1}">
               <a14:hiddenFill xmlns:a14="http://schemas.microsoft.com/office/drawing/2010/main">
@@ -6646,9 +6829,102 @@
           </a:extLst>
         </p:spPr>
       </p:pic>
-      <p:sp>
-        <p:nvSpPr>
-          <p:cNvPr id="190" name="Storytelling with Data"/>
+    </p:spTree>
+  </p:cSld>
+  <p:clrMapOvr>
+    <a:masterClrMapping/>
+  </p:clrMapOvr>
+  <p:transition spd="med"/>
+</p:sld>
+</file>
+
+<file path=ppt/slides/slide10.xml><?xml version="1.0" encoding="utf-8"?>
+<p:sld xmlns:a="http://schemas.openxmlformats.org/drawingml/2006/main" xmlns:r="http://schemas.openxmlformats.org/officeDocument/2006/relationships" xmlns:p="http://schemas.openxmlformats.org/presentationml/2006/main">
+  <p:cSld>
+    <p:spTree>
+      <p:nvGrpSpPr>
+        <p:cNvPr id="1" name="">
+          <a:extLst>
+            <a:ext uri="{FF2B5EF4-FFF2-40B4-BE49-F238E27FC236}">
+              <a16:creationId xmlns:a16="http://schemas.microsoft.com/office/drawing/2014/main" id="{3D3E6457-47D4-3752-C642-B03B966FA225}"/>
+            </a:ext>
+          </a:extLst>
+        </p:cNvPr>
+        <p:cNvGrpSpPr/>
+        <p:nvPr/>
+      </p:nvGrpSpPr>
+      <p:grpSpPr>
+        <a:xfrm>
+          <a:off x="0" y="0"/>
+          <a:ext cx="0" cy="0"/>
+          <a:chOff x="0" y="0"/>
+          <a:chExt cx="0" cy="0"/>
+        </a:xfrm>
+      </p:grpSpPr>
+      <p:sp>
+        <p:nvSpPr>
+          <p:cNvPr id="215" name="Use the data and look at it through the lens of a professional data analyst. The skills you have acquired will guide you to build your story from start to finish. Before you can do that, you will need to analyze the spreadsheet and each worksheet.">
+            <a:extLst>
+              <a:ext uri="{FF2B5EF4-FFF2-40B4-BE49-F238E27FC236}">
+                <a16:creationId xmlns:a16="http://schemas.microsoft.com/office/drawing/2014/main" id="{70DA1C4B-A352-C0E3-89E9-A47BC246FCA3}"/>
+              </a:ext>
+            </a:extLst>
+          </p:cNvPr>
+          <p:cNvSpPr txBox="1"/>
+          <p:nvPr/>
+        </p:nvSpPr>
+        <p:spPr>
+          <a:xfrm>
+            <a:off x="14547591" y="3629655"/>
+            <a:ext cx="9152130" cy="4504310"/>
+          </a:xfrm>
+          <a:prstGeom prst="rect">
+            <a:avLst/>
+          </a:prstGeom>
+          <a:ln w="12700">
+            <a:miter lim="400000"/>
+          </a:ln>
+          <a:extLst>
+            <a:ext uri="{C572A759-6A51-4108-AA02-DFA0A04FC94B}">
+              <ma14:wrappingTextBoxFlag xmlns:ma14="http://schemas.microsoft.com/office/mac/drawingml/2011/main" xmlns:a14="http://schemas.microsoft.com/office/drawing/2010/main" xmlns:m="http://schemas.openxmlformats.org/officeDocument/2006/math" xmlns="" val="1"/>
+            </a:ext>
+          </a:extLst>
+        </p:spPr>
+        <p:txBody>
+          <a:bodyPr lIns="50800" tIns="50800" rIns="50800" bIns="50800" anchor="ctr">
+            <a:spAutoFit/>
+          </a:bodyPr>
+          <a:lstStyle/>
+          <a:p>
+            <a:pPr>
+              <a:lnSpc>
+                <a:spcPct val="114000"/>
+              </a:lnSpc>
+            </a:pPr>
+            <a:r>
+              <a:rPr lang="en-US" dirty="0"/>
+              <a:t>The line chart shows that average team points have steadily increased over the years, indicating faster-paced games and evolving offensive strategies.</a:t>
+            </a:r>
+            <a:br>
+              <a:rPr lang="en-US" dirty="0"/>
+            </a:br>
+            <a:r>
+              <a:rPr lang="en-US" dirty="0"/>
+              <a:t>Peaks in certain seasons suggest rule or playstyle changes that promoted higher scoring.</a:t>
+            </a:r>
+            <a:endParaRPr dirty="0"/>
+          </a:p>
+        </p:txBody>
+      </p:sp>
+      <p:sp>
+        <p:nvSpPr>
+          <p:cNvPr id="216" name="Analysis">
+            <a:extLst>
+              <a:ext uri="{FF2B5EF4-FFF2-40B4-BE49-F238E27FC236}">
+                <a16:creationId xmlns:a16="http://schemas.microsoft.com/office/drawing/2014/main" id="{A57BA1E4-5175-01EC-5294-05FAC1E4C277}"/>
+              </a:ext>
+            </a:extLst>
+          </p:cNvPr>
           <p:cNvSpPr txBox="1">
             <a:spLocks noGrp="1"/>
           </p:cNvSpPr>
@@ -6658,64 +6934,119 @@
         </p:nvSpPr>
         <p:spPr>
           <a:xfrm>
-            <a:off x="13665200" y="4394200"/>
-            <a:ext cx="9271000" cy="2540000"/>
-          </a:xfrm>
-        </p:spPr>
-        <p:txBody>
-          <a:bodyPr anchor="t">
-            <a:normAutofit/>
-          </a:bodyPr>
+            <a:off x="14642824" y="1873418"/>
+            <a:ext cx="8105495" cy="1041503"/>
+          </a:xfrm>
+          <a:prstGeom prst="rect">
+            <a:avLst/>
+          </a:prstGeom>
+        </p:spPr>
+        <p:txBody>
+          <a:bodyPr lIns="88900" tIns="88900" rIns="88900" bIns="88900"/>
           <a:lstStyle/>
           <a:p>
-            <a:r>
-              <a:rPr lang="en-US" sz="5600"/>
-              <a:t>NBA Game Performance Analysis: Exploring Home Court Advantage and Scoring Trends</a:t>
-            </a:r>
-          </a:p>
-        </p:txBody>
-      </p:sp>
-      <p:sp>
-        <p:nvSpPr>
-          <p:cNvPr id="191" name="Presentation Template"/>
-          <p:cNvSpPr txBox="1">
-            <a:spLocks noGrp="1"/>
-          </p:cNvSpPr>
-          <p:nvPr>
-            <p:ph type="body" sz="quarter" idx="1"/>
-          </p:nvPr>
-        </p:nvSpPr>
-        <p:spPr>
-          <a:xfrm>
-            <a:off x="13665200" y="7010400"/>
-            <a:ext cx="9271000" cy="2312637"/>
-          </a:xfrm>
-        </p:spPr>
-        <p:txBody>
-          <a:bodyPr>
-            <a:normAutofit/>
-          </a:bodyPr>
-          <a:lstStyle/>
-          <a:p>
-            <a:pPr>
-              <a:spcAft>
+            <a:pPr defTabSz="292100">
+              <a:defRPr sz="4300" spc="-43"/>
+            </a:pPr>
+            <a:r>
+              <a:t>Analysis</a:t>
+            </a:r>
+          </a:p>
+          <a:p>
+            <a:pPr algn="l" defTabSz="228600">
+              <a:lnSpc>
+                <a:spcPct val="100000"/>
+              </a:lnSpc>
+              <a:spcBef>
                 <a:spcPts val="600"/>
-              </a:spcAft>
+              </a:spcBef>
+              <a:defRPr sz="700" spc="0">
+                <a:solidFill>
+                  <a:srgbClr val="000000"/>
+                </a:solidFill>
+                <a:latin typeface="Helvetica Neue"/>
+                <a:ea typeface="Helvetica Neue"/>
+                <a:cs typeface="Helvetica Neue"/>
+                <a:sym typeface="Helvetica Neue"/>
+              </a:defRPr>
             </a:pPr>
-            <a:r>
-              <a:rPr lang="en-US" dirty="0"/>
-              <a:t>Storytelling with Data — Capstone Project</a:t>
-            </a:r>
-            <a:endParaRPr lang="en-US"/>
-          </a:p>
-        </p:txBody>
-      </p:sp>
-      <p:sp>
-        <p:nvSpPr>
-          <p:cNvPr id="3" name="TextBox 2">
+            <a:endParaRPr/>
+          </a:p>
+        </p:txBody>
+      </p:sp>
+      <p:pic>
+        <p:nvPicPr>
+          <p:cNvPr id="2" name="Picture 1">
             <a:extLst>
               <a:ext uri="{FF2B5EF4-FFF2-40B4-BE49-F238E27FC236}">
-                <a16:creationId xmlns:a16="http://schemas.microsoft.com/office/drawing/2014/main" id="{005923B0-178E-C8D2-DD56-803D993FC02A}"/>
+                <a16:creationId xmlns:a16="http://schemas.microsoft.com/office/drawing/2014/main" id="{F51F68B2-3C80-6AE5-3B2B-C01059BD3A27}"/>
+              </a:ext>
+            </a:extLst>
+          </p:cNvPr>
+          <p:cNvPicPr>
+            <a:picLocks noChangeAspect="1"/>
+          </p:cNvPicPr>
+          <p:nvPr/>
+        </p:nvPicPr>
+        <p:blipFill>
+          <a:blip r:embed="rId2"/>
+          <a:stretch>
+            <a:fillRect/>
+          </a:stretch>
+        </p:blipFill>
+        <p:spPr>
+          <a:xfrm>
+            <a:off x="684279" y="3155198"/>
+            <a:ext cx="13246942" cy="5453224"/>
+          </a:xfrm>
+          <a:prstGeom prst="rect">
+            <a:avLst/>
+          </a:prstGeom>
+        </p:spPr>
+      </p:pic>
+    </p:spTree>
+    <p:extLst>
+      <p:ext uri="{BB962C8B-B14F-4D97-AF65-F5344CB8AC3E}">
+        <p14:creationId xmlns:p14="http://schemas.microsoft.com/office/powerpoint/2010/main" val="3551584661"/>
+      </p:ext>
+    </p:extLst>
+  </p:cSld>
+  <p:clrMapOvr>
+    <a:masterClrMapping/>
+  </p:clrMapOvr>
+  <p:transition spd="med"/>
+</p:sld>
+</file>
+
+<file path=ppt/slides/slide11.xml><?xml version="1.0" encoding="utf-8"?>
+<p:sld xmlns:a="http://schemas.openxmlformats.org/drawingml/2006/main" xmlns:r="http://schemas.openxmlformats.org/officeDocument/2006/relationships" xmlns:p="http://schemas.openxmlformats.org/presentationml/2006/main">
+  <p:cSld>
+    <p:spTree>
+      <p:nvGrpSpPr>
+        <p:cNvPr id="1" name="">
+          <a:extLst>
+            <a:ext uri="{FF2B5EF4-FFF2-40B4-BE49-F238E27FC236}">
+              <a16:creationId xmlns:a16="http://schemas.microsoft.com/office/drawing/2014/main" id="{E95EBC69-FE20-3CC7-259E-19931897DA32}"/>
+            </a:ext>
+          </a:extLst>
+        </p:cNvPr>
+        <p:cNvGrpSpPr/>
+        <p:nvPr/>
+      </p:nvGrpSpPr>
+      <p:grpSpPr>
+        <a:xfrm>
+          <a:off x="0" y="0"/>
+          <a:ext cx="0" cy="0"/>
+          <a:chOff x="0" y="0"/>
+          <a:chExt cx="0" cy="0"/>
+        </a:xfrm>
+      </p:grpSpPr>
+      <p:sp>
+        <p:nvSpPr>
+          <p:cNvPr id="215" name="Use the data and look at it through the lens of a professional data analyst. The skills you have acquired will guide you to build your story from start to finish. Before you can do that, you will need to analyze the spreadsheet and each worksheet.">
+            <a:extLst>
+              <a:ext uri="{FF2B5EF4-FFF2-40B4-BE49-F238E27FC236}">
+                <a16:creationId xmlns:a16="http://schemas.microsoft.com/office/drawing/2014/main" id="{24C8E1BA-FF6C-4E83-220B-5EC9B8BBBDF1}"/>
               </a:ext>
             </a:extLst>
           </p:cNvPr>
@@ -6724,8 +7055,8 @@
         </p:nvSpPr>
         <p:spPr>
           <a:xfrm>
-            <a:off x="13665200" y="3746500"/>
-            <a:ext cx="9271000" cy="482600"/>
+            <a:off x="14547591" y="3945446"/>
+            <a:ext cx="9152130" cy="3872727"/>
           </a:xfrm>
           <a:prstGeom prst="rect">
             <a:avLst/>
@@ -6739,70 +7070,126 @@
             </a:ext>
           </a:extLst>
         </p:spPr>
-        <p:style>
-          <a:lnRef idx="0">
-            <a:scrgbClr r="0" g="0" b="0"/>
-          </a:lnRef>
-          <a:fillRef idx="0">
-            <a:scrgbClr r="0" g="0" b="0"/>
-          </a:fillRef>
-          <a:effectRef idx="0">
-            <a:scrgbClr r="0" g="0" b="0"/>
-          </a:effectRef>
-          <a:fontRef idx="none"/>
-        </p:style>
-        <p:txBody>
-          <a:bodyPr rot="0" spcFirstLastPara="1" vertOverflow="overflow" horzOverflow="overflow" vert="horz" lIns="50800" tIns="50800" rIns="50800" bIns="50800" numCol="1" spcCol="38100" rtlCol="0" anchor="ctr">
-            <a:normAutofit/>
+        <p:txBody>
+          <a:bodyPr lIns="50800" tIns="50800" rIns="50800" bIns="50800" anchor="ctr">
+            <a:spAutoFit/>
           </a:bodyPr>
           <a:lstStyle/>
           <a:p>
-            <a:pPr defTabSz="685800" fontAlgn="auto" hangingPunct="0">
+            <a:pPr>
+              <a:lnSpc>
+                <a:spcPct val="114000"/>
+              </a:lnSpc>
+            </a:pPr>
+            <a:r>
+              <a:rPr lang="en-US" dirty="0"/>
+              <a:t>The distribution plot shows that scoring remains fairly consistent month-to-month, with a few high-scoring outliers, especially late in the season (around December).</a:t>
+            </a:r>
+            <a:br>
+              <a:rPr lang="en-US" dirty="0"/>
+            </a:br>
+            <a:r>
+              <a:rPr lang="en-US" dirty="0"/>
+              <a:t>This consistency reflects balanced league-wide scoring trends.</a:t>
+            </a:r>
+            <a:endParaRPr dirty="0"/>
+          </a:p>
+        </p:txBody>
+      </p:sp>
+      <p:sp>
+        <p:nvSpPr>
+          <p:cNvPr id="216" name="Analysis">
+            <a:extLst>
+              <a:ext uri="{FF2B5EF4-FFF2-40B4-BE49-F238E27FC236}">
+                <a16:creationId xmlns:a16="http://schemas.microsoft.com/office/drawing/2014/main" id="{82CC322D-2753-EB6E-C837-CEABAF22247B}"/>
+              </a:ext>
+            </a:extLst>
+          </p:cNvPr>
+          <p:cNvSpPr txBox="1">
+            <a:spLocks noGrp="1"/>
+          </p:cNvSpPr>
+          <p:nvPr>
+            <p:ph type="title"/>
+          </p:nvPr>
+        </p:nvSpPr>
+        <p:spPr>
+          <a:xfrm>
+            <a:off x="14642824" y="1873418"/>
+            <a:ext cx="8105495" cy="1041503"/>
+          </a:xfrm>
+          <a:prstGeom prst="rect">
+            <a:avLst/>
+          </a:prstGeom>
+        </p:spPr>
+        <p:txBody>
+          <a:bodyPr lIns="88900" tIns="88900" rIns="88900" bIns="88900"/>
+          <a:lstStyle/>
+          <a:p>
+            <a:pPr defTabSz="292100">
+              <a:defRPr sz="4300" spc="-43"/>
+            </a:pPr>
+            <a:r>
+              <a:t>Analysis</a:t>
+            </a:r>
+          </a:p>
+          <a:p>
+            <a:pPr algn="l" defTabSz="228600">
+              <a:lnSpc>
+                <a:spcPct val="100000"/>
+              </a:lnSpc>
               <a:spcBef>
-                <a:spcPts val="0"/>
+                <a:spcPts val="600"/>
               </a:spcBef>
-              <a:spcAft>
-                <a:spcPts val="600"/>
-              </a:spcAft>
-              <a:tabLst/>
+              <a:defRPr sz="700" spc="0">
+                <a:solidFill>
+                  <a:srgbClr val="000000"/>
+                </a:solidFill>
+                <a:latin typeface="Helvetica Neue"/>
+                <a:ea typeface="Helvetica Neue"/>
+                <a:cs typeface="Helvetica Neue"/>
+                <a:sym typeface="Helvetica Neue"/>
+              </a:defRPr>
             </a:pPr>
-            <a:r>
-              <a:rPr kumimoji="0" lang="en-US" sz="800" b="1" i="0" u="none" strike="noStrike" cap="all" spc="0" normalizeH="0" baseline="0">
-                <a:ln>
-                  <a:noFill/>
-                </a:ln>
-                <a:solidFill>
-                  <a:srgbClr val="227AAF"/>
-                </a:solidFill>
-                <a:effectLst/>
-                <a:uFillTx/>
-              </a:rPr>
-              <a:t>Tengis Erkhiimergen</a:t>
-            </a:r>
-          </a:p>
-          <a:p>
-            <a:pPr defTabSz="685800">
-              <a:spcBef>
-                <a:spcPts val="0"/>
-              </a:spcBef>
-              <a:spcAft>
-                <a:spcPts val="600"/>
-              </a:spcAft>
-              <a:tabLst/>
-            </a:pPr>
-            <a:r>
-              <a:rPr lang="en-US" sz="800" b="1" i="0" u="none" strike="noStrike" cap="all" spc="0" baseline="0">
-                <a:solidFill>
-                  <a:srgbClr val="227AAF"/>
-                </a:solidFill>
-                <a:uFillTx/>
-              </a:rPr>
-              <a:t>Date: October 27, 2025</a:t>
-            </a:r>
-          </a:p>
-        </p:txBody>
-      </p:sp>
+            <a:endParaRPr/>
+          </a:p>
+        </p:txBody>
+      </p:sp>
+      <p:pic>
+        <p:nvPicPr>
+          <p:cNvPr id="3" name="Picture 2">
+            <a:extLst>
+              <a:ext uri="{FF2B5EF4-FFF2-40B4-BE49-F238E27FC236}">
+                <a16:creationId xmlns:a16="http://schemas.microsoft.com/office/drawing/2014/main" id="{6B49ECAE-F524-BA58-D644-5DC3327F67E7}"/>
+              </a:ext>
+            </a:extLst>
+          </p:cNvPr>
+          <p:cNvPicPr>
+            <a:picLocks noChangeAspect="1"/>
+          </p:cNvPicPr>
+          <p:nvPr/>
+        </p:nvPicPr>
+        <p:blipFill>
+          <a:blip r:embed="rId2"/>
+          <a:stretch>
+            <a:fillRect/>
+          </a:stretch>
+        </p:blipFill>
+        <p:spPr>
+          <a:xfrm>
+            <a:off x="684279" y="2840030"/>
+            <a:ext cx="13409768" cy="8035939"/>
+          </a:xfrm>
+          <a:prstGeom prst="rect">
+            <a:avLst/>
+          </a:prstGeom>
+        </p:spPr>
+      </p:pic>
     </p:spTree>
+    <p:extLst>
+      <p:ext uri="{BB962C8B-B14F-4D97-AF65-F5344CB8AC3E}">
+        <p14:creationId xmlns:p14="http://schemas.microsoft.com/office/powerpoint/2010/main" val="2052907133"/>
+      </p:ext>
+    </p:extLst>
   </p:cSld>
   <p:clrMapOvr>
     <a:masterClrMapping/>
@@ -6811,7 +7198,7 @@
 </p:sld>
 </file>
 
-<file path=ppt/slides/slide10.xml><?xml version="1.0" encoding="utf-8"?>
+<file path=ppt/slides/slide12.xml><?xml version="1.0" encoding="utf-8"?>
 <p:sld xmlns:a="http://schemas.openxmlformats.org/drawingml/2006/main" xmlns:r="http://schemas.openxmlformats.org/officeDocument/2006/relationships" xmlns:p="http://schemas.openxmlformats.org/presentationml/2006/main">
   <p:cSld>
     <p:spTree>
@@ -6859,7 +7246,7 @@
           </a:ln>
           <a:extLst>
             <a:ext uri="{C572A759-6A51-4108-AA02-DFA0A04FC94B}">
-              <ma14:wrappingTextBoxFlag xmlns="" xmlns:m="http://schemas.openxmlformats.org/officeDocument/2006/math" xmlns:a14="http://schemas.microsoft.com/office/drawing/2010/main" xmlns:ma14="http://schemas.microsoft.com/office/mac/drawingml/2011/main" val="1"/>
+              <ma14:wrappingTextBoxFlag xmlns:ma14="http://schemas.microsoft.com/office/mac/drawingml/2011/main" xmlns:a14="http://schemas.microsoft.com/office/drawing/2010/main" xmlns:m="http://schemas.openxmlformats.org/officeDocument/2006/math" xmlns="" val="1"/>
             </a:ext>
           </a:extLst>
         </p:spPr>
@@ -6984,7 +7371,7 @@
 </p:sld>
 </file>
 
-<file path=ppt/slides/slide11.xml><?xml version="1.0" encoding="utf-8"?>
+<file path=ppt/slides/slide13.xml><?xml version="1.0" encoding="utf-8"?>
 <p:sld xmlns:a="http://schemas.openxmlformats.org/drawingml/2006/main" xmlns:r="http://schemas.openxmlformats.org/officeDocument/2006/relationships" xmlns:p="http://schemas.openxmlformats.org/presentationml/2006/main">
   <p:cSld>
     <p:spTree>
@@ -7032,7 +7419,7 @@
           </a:ln>
           <a:extLst>
             <a:ext uri="{C572A759-6A51-4108-AA02-DFA0A04FC94B}">
-              <ma14:wrappingTextBoxFlag xmlns:ma14="http://schemas.microsoft.com/office/mac/drawingml/2011/main" xmlns:a14="http://schemas.microsoft.com/office/drawing/2010/main" xmlns:m="http://schemas.openxmlformats.org/officeDocument/2006/math" xmlns="" val="1"/>
+              <ma14:wrappingTextBoxFlag xmlns="" xmlns:m="http://schemas.openxmlformats.org/officeDocument/2006/math" xmlns:a14="http://schemas.microsoft.com/office/drawing/2010/main" xmlns:ma14="http://schemas.microsoft.com/office/mac/drawingml/2011/main" val="1"/>
             </a:ext>
           </a:extLst>
         </p:spPr>
@@ -7157,7 +7544,7 @@
 </p:sld>
 </file>
 
-<file path=ppt/slides/slide12.xml><?xml version="1.0" encoding="utf-8"?>
+<file path=ppt/slides/slide14.xml><?xml version="1.0" encoding="utf-8"?>
 <p:sld xmlns:a="http://schemas.openxmlformats.org/drawingml/2006/main" xmlns:r="http://schemas.openxmlformats.org/officeDocument/2006/relationships" xmlns:p="http://schemas.openxmlformats.org/presentationml/2006/main">
   <p:cSld>
     <p:spTree>
@@ -7205,7 +7592,7 @@
           </a:ln>
           <a:extLst>
             <a:ext uri="{C572A759-6A51-4108-AA02-DFA0A04FC94B}">
-              <ma14:wrappingTextBoxFlag xmlns="" xmlns:m="http://schemas.openxmlformats.org/officeDocument/2006/math" xmlns:a14="http://schemas.microsoft.com/office/drawing/2010/main" xmlns:ma14="http://schemas.microsoft.com/office/mac/drawingml/2011/main" val="1"/>
+              <ma14:wrappingTextBoxFlag xmlns:ma14="http://schemas.microsoft.com/office/mac/drawingml/2011/main" xmlns:a14="http://schemas.microsoft.com/office/drawing/2010/main" xmlns:m="http://schemas.openxmlformats.org/officeDocument/2006/math" xmlns="" val="1"/>
             </a:ext>
           </a:extLst>
         </p:spPr>
@@ -7322,375 +7709,6 @@
         <p14:creationId xmlns:p14="http://schemas.microsoft.com/office/powerpoint/2010/main" val="2175860724"/>
       </p:ext>
     </p:extLst>
-  </p:cSld>
-  <p:clrMapOvr>
-    <a:masterClrMapping/>
-  </p:clrMapOvr>
-  <p:transition spd="med"/>
-</p:sld>
-</file>
-
-<file path=ppt/slides/slide13.xml><?xml version="1.0" encoding="utf-8"?>
-<p:sld xmlns:a="http://schemas.openxmlformats.org/drawingml/2006/main" xmlns:r="http://schemas.openxmlformats.org/officeDocument/2006/relationships" xmlns:p="http://schemas.openxmlformats.org/presentationml/2006/main">
-  <p:cSld>
-    <p:spTree>
-      <p:nvGrpSpPr>
-        <p:cNvPr id="1" name=""/>
-        <p:cNvGrpSpPr/>
-        <p:nvPr/>
-      </p:nvGrpSpPr>
-      <p:grpSpPr>
-        <a:xfrm>
-          <a:off x="0" y="0"/>
-          <a:ext cx="0" cy="0"/>
-          <a:chOff x="0" y="0"/>
-          <a:chExt cx="0" cy="0"/>
-        </a:xfrm>
-      </p:grpSpPr>
-      <p:sp>
-        <p:nvSpPr>
-          <p:cNvPr id="228" name="Findings/Conclusion"/>
-          <p:cNvSpPr txBox="1">
-            <a:spLocks noGrp="1"/>
-          </p:cNvSpPr>
-          <p:nvPr>
-            <p:ph type="title"/>
-          </p:nvPr>
-        </p:nvSpPr>
-        <p:spPr>
-          <a:xfrm>
-            <a:off x="1727200" y="1739900"/>
-            <a:ext cx="20929600" cy="1962762"/>
-          </a:xfrm>
-          <a:prstGeom prst="rect">
-            <a:avLst/>
-          </a:prstGeom>
-        </p:spPr>
-        <p:txBody>
-          <a:bodyPr/>
-          <a:lstStyle/>
-          <a:p>
-            <a:r>
-              <a:rPr dirty="0"/>
-              <a:t>Findings/Conclusion</a:t>
-            </a:r>
-          </a:p>
-        </p:txBody>
-      </p:sp>
-      <p:sp>
-        <p:nvSpPr>
-          <p:cNvPr id="4" name="TextBox 3">
-            <a:extLst>
-              <a:ext uri="{FF2B5EF4-FFF2-40B4-BE49-F238E27FC236}">
-                <a16:creationId xmlns:a16="http://schemas.microsoft.com/office/drawing/2014/main" id="{830F221D-64AC-5931-9979-A55A85901EF7}"/>
-              </a:ext>
-            </a:extLst>
-          </p:cNvPr>
-          <p:cNvSpPr txBox="1"/>
-          <p:nvPr/>
-        </p:nvSpPr>
-        <p:spPr>
-          <a:xfrm>
-            <a:off x="1727201" y="3660041"/>
-            <a:ext cx="20929599" cy="7719421"/>
-          </a:xfrm>
-          <a:prstGeom prst="rect">
-            <a:avLst/>
-          </a:prstGeom>
-          <a:noFill/>
-          <a:ln w="12700" cap="flat">
-            <a:noFill/>
-            <a:miter lim="400000"/>
-          </a:ln>
-          <a:effectLst/>
-          <a:sp3d/>
-        </p:spPr>
-        <p:style>
-          <a:lnRef idx="0">
-            <a:scrgbClr r="0" g="0" b="0"/>
-          </a:lnRef>
-          <a:fillRef idx="0">
-            <a:scrgbClr r="0" g="0" b="0"/>
-          </a:fillRef>
-          <a:effectRef idx="0">
-            <a:scrgbClr r="0" g="0" b="0"/>
-          </a:effectRef>
-          <a:fontRef idx="none"/>
-        </p:style>
-        <p:txBody>
-          <a:bodyPr rot="0" spcFirstLastPara="1" vertOverflow="overflow" horzOverflow="overflow" vert="horz" wrap="square" lIns="50800" tIns="50800" rIns="50800" bIns="50800" numCol="1" spcCol="38100" rtlCol="0" anchor="ctr">
-            <a:spAutoFit/>
-          </a:bodyPr>
-          <a:lstStyle/>
-          <a:p>
-            <a:pPr marL="571500" indent="-571500">
-              <a:lnSpc>
-                <a:spcPct val="114000"/>
-              </a:lnSpc>
-              <a:buFont typeface="Arial" panose="020B0604020202020204" pitchFamily="34" charset="0"/>
-              <a:buChar char="•"/>
-            </a:pPr>
-            <a:r>
-              <a:rPr lang="en-US" sz="3200" b="1" dirty="0"/>
-              <a:t>Home teams consistently outperform away teams.</a:t>
-            </a:r>
-            <a:br>
-              <a:rPr lang="en-US" sz="3200" dirty="0"/>
-            </a:br>
-            <a:r>
-              <a:rPr lang="en-US" sz="3200" dirty="0"/>
-              <a:t>The average point difference favors home teams, confirming a measurable home-court advantage.</a:t>
-            </a:r>
-          </a:p>
-          <a:p>
-            <a:pPr marL="571500" indent="-571500">
-              <a:lnSpc>
-                <a:spcPct val="114000"/>
-              </a:lnSpc>
-              <a:buFont typeface="Arial" panose="020B0604020202020204" pitchFamily="34" charset="0"/>
-              <a:buChar char="•"/>
-            </a:pPr>
-            <a:r>
-              <a:rPr lang="en-US" sz="3200" b="1" dirty="0"/>
-              <a:t>Scoring trends have steadily increased over the years.</a:t>
-            </a:r>
-            <a:br>
-              <a:rPr lang="en-US" sz="3200" dirty="0"/>
-            </a:br>
-            <a:r>
-              <a:rPr lang="en-US" sz="3200" dirty="0"/>
-              <a:t>The average total points per season have risen significantly since 2012, showing that NBA games have become more offense-oriented and faster-paced.</a:t>
-            </a:r>
-          </a:p>
-          <a:p>
-            <a:pPr marL="571500" indent="-571500">
-              <a:lnSpc>
-                <a:spcPct val="114000"/>
-              </a:lnSpc>
-              <a:buFont typeface="Arial" panose="020B0604020202020204" pitchFamily="34" charset="0"/>
-              <a:buChar char="•"/>
-            </a:pPr>
-            <a:r>
-              <a:rPr lang="en-US" sz="3200" b="1" dirty="0"/>
-              <a:t>Team performance varies slightly across months.</a:t>
-            </a:r>
-            <a:br>
-              <a:rPr lang="en-US" sz="3200" dirty="0"/>
-            </a:br>
-            <a:r>
-              <a:rPr lang="en-US" sz="3200" dirty="0"/>
-              <a:t>The monthly distribution indicates scoring consistency throughout the year, though some months show higher variability due to schedule density or player fatigue.</a:t>
-            </a:r>
-          </a:p>
-          <a:p>
-            <a:pPr>
-              <a:lnSpc>
-                <a:spcPct val="114000"/>
-              </a:lnSpc>
-            </a:pPr>
-            <a:r>
-              <a:rPr lang="en-US" sz="3200" dirty="0"/>
-              <a:t>Overall, the data supports that home-court advantage impacts game outcomes and that modern NBA play emphasizes higher scoring. These insights can help analysts and teams understand evolving gameplay dynamics over time.</a:t>
-            </a:r>
-          </a:p>
-        </p:txBody>
-      </p:sp>
-    </p:spTree>
-  </p:cSld>
-  <p:clrMapOvr>
-    <a:masterClrMapping/>
-  </p:clrMapOvr>
-  <p:transition spd="med"/>
-</p:sld>
-</file>
-
-<file path=ppt/slides/slide14.xml><?xml version="1.0" encoding="utf-8"?>
-<p:sld xmlns:a="http://schemas.openxmlformats.org/drawingml/2006/main" xmlns:r="http://schemas.openxmlformats.org/officeDocument/2006/relationships" xmlns:p="http://schemas.openxmlformats.org/presentationml/2006/main">
-  <p:cSld>
-    <p:spTree>
-      <p:nvGrpSpPr>
-        <p:cNvPr id="1" name=""/>
-        <p:cNvGrpSpPr/>
-        <p:nvPr/>
-      </p:nvGrpSpPr>
-      <p:grpSpPr>
-        <a:xfrm>
-          <a:off x="0" y="0"/>
-          <a:ext cx="0" cy="0"/>
-          <a:chOff x="0" y="0"/>
-          <a:chExt cx="0" cy="0"/>
-        </a:xfrm>
-      </p:grpSpPr>
-      <p:sp>
-        <p:nvSpPr>
-          <p:cNvPr id="231" name="Recommendations"/>
-          <p:cNvSpPr txBox="1">
-            <a:spLocks noGrp="1"/>
-          </p:cNvSpPr>
-          <p:nvPr>
-            <p:ph type="title"/>
-          </p:nvPr>
-        </p:nvSpPr>
-        <p:spPr>
-          <a:prstGeom prst="rect">
-            <a:avLst/>
-          </a:prstGeom>
-        </p:spPr>
-        <p:txBody>
-          <a:bodyPr/>
-          <a:lstStyle/>
-          <a:p>
-            <a:r>
-              <a:rPr lang="en-US" dirty="0"/>
-              <a:t>Recommendations</a:t>
-            </a:r>
-          </a:p>
-        </p:txBody>
-      </p:sp>
-      <p:sp>
-        <p:nvSpPr>
-          <p:cNvPr id="5" name="TextBox 4">
-            <a:extLst>
-              <a:ext uri="{FF2B5EF4-FFF2-40B4-BE49-F238E27FC236}">
-                <a16:creationId xmlns:a16="http://schemas.microsoft.com/office/drawing/2014/main" id="{958753C5-9CCB-0709-EC5B-EEC7772F4047}"/>
-              </a:ext>
-            </a:extLst>
-          </p:cNvPr>
-          <p:cNvSpPr txBox="1"/>
-          <p:nvPr/>
-        </p:nvSpPr>
-        <p:spPr>
-          <a:xfrm>
-            <a:off x="1727201" y="2929264"/>
-            <a:ext cx="20929599" cy="9301264"/>
-          </a:xfrm>
-          <a:prstGeom prst="rect">
-            <a:avLst/>
-          </a:prstGeom>
-          <a:noFill/>
-          <a:ln w="12700" cap="flat">
-            <a:noFill/>
-            <a:miter lim="400000"/>
-          </a:ln>
-          <a:effectLst/>
-          <a:sp3d/>
-        </p:spPr>
-        <p:style>
-          <a:lnRef idx="0">
-            <a:scrgbClr r="0" g="0" b="0"/>
-          </a:lnRef>
-          <a:fillRef idx="0">
-            <a:scrgbClr r="0" g="0" b="0"/>
-          </a:fillRef>
-          <a:effectRef idx="0">
-            <a:scrgbClr r="0" g="0" b="0"/>
-          </a:effectRef>
-          <a:fontRef idx="none"/>
-        </p:style>
-        <p:txBody>
-          <a:bodyPr rot="0" spcFirstLastPara="1" vertOverflow="overflow" horzOverflow="overflow" vert="horz" wrap="square" lIns="50800" tIns="50800" rIns="50800" bIns="50800" numCol="1" spcCol="38100" rtlCol="0" anchor="ctr">
-            <a:spAutoFit/>
-          </a:bodyPr>
-          <a:lstStyle/>
-          <a:p>
-            <a:pPr marL="571500" indent="-571500">
-              <a:lnSpc>
-                <a:spcPct val="114000"/>
-              </a:lnSpc>
-              <a:buFont typeface="Arial" panose="020B0604020202020204" pitchFamily="34" charset="0"/>
-              <a:buChar char="•"/>
-            </a:pPr>
-            <a:r>
-              <a:rPr lang="en-US" sz="3200" b="1" dirty="0"/>
-              <a:t>Leverage Home-Court Advantage Strategically</a:t>
-            </a:r>
-          </a:p>
-          <a:p>
-            <a:pPr marL="635000" lvl="6" indent="0">
-              <a:lnSpc>
-                <a:spcPct val="114000"/>
-              </a:lnSpc>
-            </a:pPr>
-            <a:r>
-              <a:rPr lang="en-US" sz="3200" dirty="0"/>
-              <a:t>Teams should continue emphasizing home games by optimizing rest schedules, crowd engagement, and defensive setups to maximize their performance boost.</a:t>
-            </a:r>
-          </a:p>
-          <a:p>
-            <a:pPr marL="571500" indent="-571500">
-              <a:lnSpc>
-                <a:spcPct val="114000"/>
-              </a:lnSpc>
-              <a:buFont typeface="Arial" panose="020B0604020202020204" pitchFamily="34" charset="0"/>
-              <a:buChar char="•"/>
-            </a:pPr>
-            <a:r>
-              <a:rPr lang="en-US" sz="3200" b="1" dirty="0"/>
-              <a:t>Adapt Coaching Strategies to Modern Scoring Trends</a:t>
-            </a:r>
-          </a:p>
-          <a:p>
-            <a:pPr marL="587375">
-              <a:lnSpc>
-                <a:spcPct val="114000"/>
-              </a:lnSpc>
-            </a:pPr>
-            <a:r>
-              <a:rPr lang="en-US" sz="3200" dirty="0"/>
-              <a:t>Since scoring has increased over the years, teams should prioritize offensive efficiency — faster ball movement, three-point shooting, and transition plays.</a:t>
-            </a:r>
-          </a:p>
-          <a:p>
-            <a:pPr marL="571500" indent="-571500">
-              <a:lnSpc>
-                <a:spcPct val="114000"/>
-              </a:lnSpc>
-              <a:buFont typeface="Arial" panose="020B0604020202020204" pitchFamily="34" charset="0"/>
-              <a:buChar char="•"/>
-            </a:pPr>
-            <a:r>
-              <a:rPr lang="en-US" sz="3200" b="1" dirty="0"/>
-              <a:t>Monitor Player Fatigue and Monthly Variations</a:t>
-            </a:r>
-          </a:p>
-          <a:p>
-            <a:pPr marL="635000">
-              <a:lnSpc>
-                <a:spcPct val="114000"/>
-              </a:lnSpc>
-            </a:pPr>
-            <a:r>
-              <a:rPr lang="en-US" sz="3200" dirty="0"/>
-              <a:t>Small monthly fluctuations suggest that fatigue or schedule intensity may impact consistency; implementing targeted recovery and rotation plans can help maintain performance.</a:t>
-            </a:r>
-          </a:p>
-          <a:p>
-            <a:pPr marL="571500" indent="-571500">
-              <a:lnSpc>
-                <a:spcPct val="114000"/>
-              </a:lnSpc>
-              <a:buFont typeface="Arial" panose="020B0604020202020204" pitchFamily="34" charset="0"/>
-              <a:buChar char="•"/>
-            </a:pPr>
-            <a:r>
-              <a:rPr lang="en-US" sz="3200" b="1" dirty="0"/>
-              <a:t>Use Data Analytics for Continuous Improvement</a:t>
-            </a:r>
-          </a:p>
-          <a:p>
-            <a:pPr marL="635000">
-              <a:lnSpc>
-                <a:spcPct val="114000"/>
-              </a:lnSpc>
-            </a:pPr>
-            <a:r>
-              <a:rPr lang="en-US" sz="3200" dirty="0"/>
-              <a:t>Encourage data-driven decision-making to identify team-specific strengths, adjust tactics, and predict performance outcomes more accurately.</a:t>
-            </a:r>
-          </a:p>
-        </p:txBody>
-      </p:sp>
-    </p:spTree>
   </p:cSld>
   <p:clrMapOvr>
     <a:masterClrMapping/>
@@ -7718,7 +7736,7 @@
       </p:grpSpPr>
       <p:sp>
         <p:nvSpPr>
-          <p:cNvPr id="234" name="Q&amp;A"/>
+          <p:cNvPr id="228" name="Findings/Conclusion"/>
           <p:cNvSpPr txBox="1">
             <a:spLocks noGrp="1"/>
           </p:cNvSpPr>
@@ -7728,8 +7746,8 @@
         </p:nvSpPr>
         <p:spPr>
           <a:xfrm>
-            <a:off x="1727200" y="5245322"/>
-            <a:ext cx="20929600" cy="3225356"/>
+            <a:off x="1727200" y="1739900"/>
+            <a:ext cx="20929600" cy="1962762"/>
           </a:xfrm>
           <a:prstGeom prst="rect">
             <a:avLst/>
@@ -7741,7 +7759,125 @@
           <a:p>
             <a:r>
               <a:rPr dirty="0"/>
-              <a:t>Q&amp;A</a:t>
+              <a:t>Findings/Conclusion</a:t>
+            </a:r>
+          </a:p>
+        </p:txBody>
+      </p:sp>
+      <p:sp>
+        <p:nvSpPr>
+          <p:cNvPr id="4" name="TextBox 3">
+            <a:extLst>
+              <a:ext uri="{FF2B5EF4-FFF2-40B4-BE49-F238E27FC236}">
+                <a16:creationId xmlns:a16="http://schemas.microsoft.com/office/drawing/2014/main" id="{830F221D-64AC-5931-9979-A55A85901EF7}"/>
+              </a:ext>
+            </a:extLst>
+          </p:cNvPr>
+          <p:cNvSpPr txBox="1"/>
+          <p:nvPr/>
+        </p:nvSpPr>
+        <p:spPr>
+          <a:xfrm>
+            <a:off x="1727201" y="3660041"/>
+            <a:ext cx="20929599" cy="7719421"/>
+          </a:xfrm>
+          <a:prstGeom prst="rect">
+            <a:avLst/>
+          </a:prstGeom>
+          <a:noFill/>
+          <a:ln w="12700" cap="flat">
+            <a:noFill/>
+            <a:miter lim="400000"/>
+          </a:ln>
+          <a:effectLst/>
+          <a:sp3d/>
+        </p:spPr>
+        <p:style>
+          <a:lnRef idx="0">
+            <a:scrgbClr r="0" g="0" b="0"/>
+          </a:lnRef>
+          <a:fillRef idx="0">
+            <a:scrgbClr r="0" g="0" b="0"/>
+          </a:fillRef>
+          <a:effectRef idx="0">
+            <a:scrgbClr r="0" g="0" b="0"/>
+          </a:effectRef>
+          <a:fontRef idx="none"/>
+        </p:style>
+        <p:txBody>
+          <a:bodyPr rot="0" spcFirstLastPara="1" vertOverflow="overflow" horzOverflow="overflow" vert="horz" wrap="square" lIns="50800" tIns="50800" rIns="50800" bIns="50800" numCol="1" spcCol="38100" rtlCol="0" anchor="ctr">
+            <a:spAutoFit/>
+          </a:bodyPr>
+          <a:lstStyle/>
+          <a:p>
+            <a:pPr marL="571500" indent="-571500">
+              <a:lnSpc>
+                <a:spcPct val="114000"/>
+              </a:lnSpc>
+              <a:buFont typeface="Arial" panose="020B0604020202020204" pitchFamily="34" charset="0"/>
+              <a:buChar char="•"/>
+            </a:pPr>
+            <a:r>
+              <a:rPr lang="en-US" sz="3200" b="1" dirty="0"/>
+              <a:t>Home teams consistently outperform away teams.</a:t>
+            </a:r>
+            <a:br>
+              <a:rPr lang="en-US" sz="3200" dirty="0"/>
+            </a:br>
+            <a:r>
+              <a:rPr lang="en-US" sz="3200" dirty="0"/>
+              <a:t>The average point difference favors home teams, confirming a measurable home-court advantage.</a:t>
+            </a:r>
+          </a:p>
+          <a:p>
+            <a:pPr marL="571500" indent="-571500">
+              <a:lnSpc>
+                <a:spcPct val="114000"/>
+              </a:lnSpc>
+              <a:buFont typeface="Arial" panose="020B0604020202020204" pitchFamily="34" charset="0"/>
+              <a:buChar char="•"/>
+            </a:pPr>
+            <a:r>
+              <a:rPr lang="en-US" sz="3200" b="1" dirty="0"/>
+              <a:t>Scoring trends have steadily increased over the years.</a:t>
+            </a:r>
+            <a:br>
+              <a:rPr lang="en-US" sz="3200" dirty="0"/>
+            </a:br>
+            <a:r>
+              <a:rPr lang="en-US" sz="3200" dirty="0"/>
+              <a:t>The average total points per season have risen significantly since 2012, showing that NBA games have become more offense-oriented and faster-paced.</a:t>
+            </a:r>
+          </a:p>
+          <a:p>
+            <a:pPr marL="571500" indent="-571500">
+              <a:lnSpc>
+                <a:spcPct val="114000"/>
+              </a:lnSpc>
+              <a:buFont typeface="Arial" panose="020B0604020202020204" pitchFamily="34" charset="0"/>
+              <a:buChar char="•"/>
+            </a:pPr>
+            <a:r>
+              <a:rPr lang="en-US" sz="3200" b="1" dirty="0"/>
+              <a:t>Team performance varies slightly across months.</a:t>
+            </a:r>
+            <a:br>
+              <a:rPr lang="en-US" sz="3200" dirty="0"/>
+            </a:br>
+            <a:r>
+              <a:rPr lang="en-US" sz="3200" dirty="0"/>
+              <a:t>The monthly distribution indicates scoring consistency throughout the year, though some months show higher variability due to schedule density or player fatigue.</a:t>
+            </a:r>
+          </a:p>
+          <a:p>
+            <a:pPr>
+              <a:lnSpc>
+                <a:spcPct val="114000"/>
+              </a:lnSpc>
+            </a:pPr>
+            <a:r>
+              <a:rPr lang="en-US" sz="3200" dirty="0"/>
+              <a:t>Overall, the data supports that home-court advantage impacts game outcomes and that modern NBA play emphasizes higher scoring. These insights can help analysts and teams understand evolving gameplay dynamics over time.</a:t>
             </a:r>
           </a:p>
         </p:txBody>
@@ -7756,6 +7892,257 @@
 </file>
 
 <file path=ppt/slides/slide16.xml><?xml version="1.0" encoding="utf-8"?>
+<p:sld xmlns:a="http://schemas.openxmlformats.org/drawingml/2006/main" xmlns:r="http://schemas.openxmlformats.org/officeDocument/2006/relationships" xmlns:p="http://schemas.openxmlformats.org/presentationml/2006/main">
+  <p:cSld>
+    <p:spTree>
+      <p:nvGrpSpPr>
+        <p:cNvPr id="1" name=""/>
+        <p:cNvGrpSpPr/>
+        <p:nvPr/>
+      </p:nvGrpSpPr>
+      <p:grpSpPr>
+        <a:xfrm>
+          <a:off x="0" y="0"/>
+          <a:ext cx="0" cy="0"/>
+          <a:chOff x="0" y="0"/>
+          <a:chExt cx="0" cy="0"/>
+        </a:xfrm>
+      </p:grpSpPr>
+      <p:sp>
+        <p:nvSpPr>
+          <p:cNvPr id="231" name="Recommendations"/>
+          <p:cNvSpPr txBox="1">
+            <a:spLocks noGrp="1"/>
+          </p:cNvSpPr>
+          <p:nvPr>
+            <p:ph type="title"/>
+          </p:nvPr>
+        </p:nvSpPr>
+        <p:spPr>
+          <a:prstGeom prst="rect">
+            <a:avLst/>
+          </a:prstGeom>
+        </p:spPr>
+        <p:txBody>
+          <a:bodyPr/>
+          <a:lstStyle/>
+          <a:p>
+            <a:r>
+              <a:rPr lang="en-US" dirty="0"/>
+              <a:t>Recommendations</a:t>
+            </a:r>
+          </a:p>
+        </p:txBody>
+      </p:sp>
+      <p:sp>
+        <p:nvSpPr>
+          <p:cNvPr id="5" name="TextBox 4">
+            <a:extLst>
+              <a:ext uri="{FF2B5EF4-FFF2-40B4-BE49-F238E27FC236}">
+                <a16:creationId xmlns:a16="http://schemas.microsoft.com/office/drawing/2014/main" id="{958753C5-9CCB-0709-EC5B-EEC7772F4047}"/>
+              </a:ext>
+            </a:extLst>
+          </p:cNvPr>
+          <p:cNvSpPr txBox="1"/>
+          <p:nvPr/>
+        </p:nvSpPr>
+        <p:spPr>
+          <a:xfrm>
+            <a:off x="1727201" y="2929264"/>
+            <a:ext cx="20929599" cy="9301264"/>
+          </a:xfrm>
+          <a:prstGeom prst="rect">
+            <a:avLst/>
+          </a:prstGeom>
+          <a:noFill/>
+          <a:ln w="12700" cap="flat">
+            <a:noFill/>
+            <a:miter lim="400000"/>
+          </a:ln>
+          <a:effectLst/>
+          <a:sp3d/>
+        </p:spPr>
+        <p:style>
+          <a:lnRef idx="0">
+            <a:scrgbClr r="0" g="0" b="0"/>
+          </a:lnRef>
+          <a:fillRef idx="0">
+            <a:scrgbClr r="0" g="0" b="0"/>
+          </a:fillRef>
+          <a:effectRef idx="0">
+            <a:scrgbClr r="0" g="0" b="0"/>
+          </a:effectRef>
+          <a:fontRef idx="none"/>
+        </p:style>
+        <p:txBody>
+          <a:bodyPr rot="0" spcFirstLastPara="1" vertOverflow="overflow" horzOverflow="overflow" vert="horz" wrap="square" lIns="50800" tIns="50800" rIns="50800" bIns="50800" numCol="1" spcCol="38100" rtlCol="0" anchor="ctr">
+            <a:spAutoFit/>
+          </a:bodyPr>
+          <a:lstStyle/>
+          <a:p>
+            <a:pPr marL="571500" indent="-571500">
+              <a:lnSpc>
+                <a:spcPct val="114000"/>
+              </a:lnSpc>
+              <a:buFont typeface="Arial" panose="020B0604020202020204" pitchFamily="34" charset="0"/>
+              <a:buChar char="•"/>
+            </a:pPr>
+            <a:r>
+              <a:rPr lang="en-US" sz="3200" b="1" dirty="0"/>
+              <a:t>Leverage Home-Court Advantage Strategically</a:t>
+            </a:r>
+          </a:p>
+          <a:p>
+            <a:pPr marL="635000" lvl="6" indent="0">
+              <a:lnSpc>
+                <a:spcPct val="114000"/>
+              </a:lnSpc>
+            </a:pPr>
+            <a:r>
+              <a:rPr lang="en-US" sz="3200" dirty="0"/>
+              <a:t>Teams should continue emphasizing home games by optimizing rest schedules, crowd engagement, and defensive setups to maximize their performance boost.</a:t>
+            </a:r>
+          </a:p>
+          <a:p>
+            <a:pPr marL="571500" indent="-571500">
+              <a:lnSpc>
+                <a:spcPct val="114000"/>
+              </a:lnSpc>
+              <a:buFont typeface="Arial" panose="020B0604020202020204" pitchFamily="34" charset="0"/>
+              <a:buChar char="•"/>
+            </a:pPr>
+            <a:r>
+              <a:rPr lang="en-US" sz="3200" b="1" dirty="0"/>
+              <a:t>Adapt Coaching Strategies to Modern Scoring Trends</a:t>
+            </a:r>
+          </a:p>
+          <a:p>
+            <a:pPr marL="587375">
+              <a:lnSpc>
+                <a:spcPct val="114000"/>
+              </a:lnSpc>
+            </a:pPr>
+            <a:r>
+              <a:rPr lang="en-US" sz="3200" dirty="0"/>
+              <a:t>Since scoring has increased over the years, teams should prioritize offensive efficiency — faster ball movement, three-point shooting, and transition plays.</a:t>
+            </a:r>
+          </a:p>
+          <a:p>
+            <a:pPr marL="571500" indent="-571500">
+              <a:lnSpc>
+                <a:spcPct val="114000"/>
+              </a:lnSpc>
+              <a:buFont typeface="Arial" panose="020B0604020202020204" pitchFamily="34" charset="0"/>
+              <a:buChar char="•"/>
+            </a:pPr>
+            <a:r>
+              <a:rPr lang="en-US" sz="3200" b="1" dirty="0"/>
+              <a:t>Monitor Player Fatigue and Monthly Variations</a:t>
+            </a:r>
+          </a:p>
+          <a:p>
+            <a:pPr marL="635000">
+              <a:lnSpc>
+                <a:spcPct val="114000"/>
+              </a:lnSpc>
+            </a:pPr>
+            <a:r>
+              <a:rPr lang="en-US" sz="3200" dirty="0"/>
+              <a:t>Small monthly fluctuations suggest that fatigue or schedule intensity may impact consistency; implementing targeted recovery and rotation plans can help maintain performance.</a:t>
+            </a:r>
+          </a:p>
+          <a:p>
+            <a:pPr marL="571500" indent="-571500">
+              <a:lnSpc>
+                <a:spcPct val="114000"/>
+              </a:lnSpc>
+              <a:buFont typeface="Arial" panose="020B0604020202020204" pitchFamily="34" charset="0"/>
+              <a:buChar char="•"/>
+            </a:pPr>
+            <a:r>
+              <a:rPr lang="en-US" sz="3200" b="1" dirty="0"/>
+              <a:t>Use Data Analytics for Continuous Improvement</a:t>
+            </a:r>
+          </a:p>
+          <a:p>
+            <a:pPr marL="635000">
+              <a:lnSpc>
+                <a:spcPct val="114000"/>
+              </a:lnSpc>
+            </a:pPr>
+            <a:r>
+              <a:rPr lang="en-US" sz="3200" dirty="0"/>
+              <a:t>Encourage data-driven decision-making to identify team-specific strengths, adjust tactics, and predict performance outcomes more accurately.</a:t>
+            </a:r>
+          </a:p>
+        </p:txBody>
+      </p:sp>
+    </p:spTree>
+  </p:cSld>
+  <p:clrMapOvr>
+    <a:masterClrMapping/>
+  </p:clrMapOvr>
+  <p:transition spd="med"/>
+</p:sld>
+</file>
+
+<file path=ppt/slides/slide17.xml><?xml version="1.0" encoding="utf-8"?>
+<p:sld xmlns:a="http://schemas.openxmlformats.org/drawingml/2006/main" xmlns:r="http://schemas.openxmlformats.org/officeDocument/2006/relationships" xmlns:p="http://schemas.openxmlformats.org/presentationml/2006/main">
+  <p:cSld>
+    <p:spTree>
+      <p:nvGrpSpPr>
+        <p:cNvPr id="1" name=""/>
+        <p:cNvGrpSpPr/>
+        <p:nvPr/>
+      </p:nvGrpSpPr>
+      <p:grpSpPr>
+        <a:xfrm>
+          <a:off x="0" y="0"/>
+          <a:ext cx="0" cy="0"/>
+          <a:chOff x="0" y="0"/>
+          <a:chExt cx="0" cy="0"/>
+        </a:xfrm>
+      </p:grpSpPr>
+      <p:sp>
+        <p:nvSpPr>
+          <p:cNvPr id="234" name="Q&amp;A"/>
+          <p:cNvSpPr txBox="1">
+            <a:spLocks noGrp="1"/>
+          </p:cNvSpPr>
+          <p:nvPr>
+            <p:ph type="title"/>
+          </p:nvPr>
+        </p:nvSpPr>
+        <p:spPr>
+          <a:xfrm>
+            <a:off x="1727200" y="5245322"/>
+            <a:ext cx="20929600" cy="3225356"/>
+          </a:xfrm>
+          <a:prstGeom prst="rect">
+            <a:avLst/>
+          </a:prstGeom>
+        </p:spPr>
+        <p:txBody>
+          <a:bodyPr/>
+          <a:lstStyle/>
+          <a:p>
+            <a:r>
+              <a:rPr dirty="0"/>
+              <a:t>Q&amp;A</a:t>
+            </a:r>
+          </a:p>
+        </p:txBody>
+      </p:sp>
+    </p:spTree>
+  </p:cSld>
+  <p:clrMapOvr>
+    <a:masterClrMapping/>
+  </p:clrMapOvr>
+  <p:transition spd="med"/>
+</p:sld>
+</file>
+
+<file path=ppt/slides/slide18.xml><?xml version="1.0" encoding="utf-8"?>
 <p:sld xmlns:a="http://schemas.openxmlformats.org/drawingml/2006/main" xmlns:r="http://schemas.openxmlformats.org/officeDocument/2006/relationships" xmlns:p="http://schemas.openxmlformats.org/presentationml/2006/main">
   <p:cSld>
     <p:spTree>
@@ -8266,6 +8653,10 @@
           </p:nvPr>
         </p:nvSpPr>
         <p:spPr>
+          <a:xfrm>
+            <a:off x="-1992084" y="1864603"/>
+            <a:ext cx="20929600" cy="3225356"/>
+          </a:xfrm>
           <a:prstGeom prst="rect">
             <a:avLst/>
           </a:prstGeom>
@@ -8295,8 +8686,8 @@
         </p:nvSpPr>
         <p:spPr>
           <a:xfrm>
-            <a:off x="1727201" y="4098271"/>
-            <a:ext cx="20929599" cy="5519460"/>
+            <a:off x="1727202" y="3544274"/>
+            <a:ext cx="13491028" cy="6627455"/>
           </a:xfrm>
           <a:prstGeom prst="rect">
             <a:avLst/>
@@ -8384,6 +8775,53 @@
           </a:p>
         </p:txBody>
       </p:sp>
+      <p:pic>
+        <p:nvPicPr>
+          <p:cNvPr id="2050" name="Picture 2" descr="Machine Learning Uncovers Nine Distinct Player Types in the NBA">
+            <a:extLst>
+              <a:ext uri="{FF2B5EF4-FFF2-40B4-BE49-F238E27FC236}">
+                <a16:creationId xmlns:a16="http://schemas.microsoft.com/office/drawing/2014/main" id="{800FFB08-BA7E-E98B-7DAB-D0BDABB1F160}"/>
+              </a:ext>
+            </a:extLst>
+          </p:cNvPr>
+          <p:cNvPicPr>
+            <a:picLocks noChangeAspect="1" noChangeArrowheads="1"/>
+          </p:cNvPicPr>
+          <p:nvPr/>
+        </p:nvPicPr>
+        <p:blipFill>
+          <a:blip r:embed="rId2">
+            <a:extLst>
+              <a:ext uri="{28A0092B-C50C-407E-A947-70E740481C1C}">
+                <a14:useLocalDpi xmlns:a14="http://schemas.microsoft.com/office/drawing/2010/main" val="0"/>
+              </a:ext>
+            </a:extLst>
+          </a:blip>
+          <a:srcRect/>
+          <a:stretch>
+            <a:fillRect/>
+          </a:stretch>
+        </p:blipFill>
+        <p:spPr bwMode="auto">
+          <a:xfrm>
+            <a:off x="15218230" y="1121859"/>
+            <a:ext cx="8648700" cy="11472281"/>
+          </a:xfrm>
+          <a:prstGeom prst="rect">
+            <a:avLst/>
+          </a:prstGeom>
+          <a:noFill/>
+          <a:extLst>
+            <a:ext uri="{909E8E84-426E-40DD-AFC4-6F175D3DCCD1}">
+              <a14:hiddenFill xmlns:a14="http://schemas.microsoft.com/office/drawing/2010/main">
+                <a:solidFill>
+                  <a:srgbClr val="FFFFFF"/>
+                </a:solidFill>
+              </a14:hiddenFill>
+            </a:ext>
+          </a:extLst>
+        </p:spPr>
+      </p:pic>
     </p:spTree>
   </p:cSld>
   <p:clrMapOvr>
@@ -8765,6 +9203,54 @@
           <a:chExt cx="0" cy="0"/>
         </a:xfrm>
       </p:grpSpPr>
+      <p:pic>
+        <p:nvPicPr>
+          <p:cNvPr id="3078" name="Picture 6" descr="Download All set for season 69 of the National Basketball Association  Wallpaper | Wallpapers.com">
+            <a:extLst>
+              <a:ext uri="{FF2B5EF4-FFF2-40B4-BE49-F238E27FC236}">
+                <a16:creationId xmlns:a16="http://schemas.microsoft.com/office/drawing/2014/main" id="{0ADB814E-D072-603A-D622-BF5310B1F649}"/>
+              </a:ext>
+            </a:extLst>
+          </p:cNvPr>
+          <p:cNvPicPr>
+            <a:picLocks noChangeAspect="1" noChangeArrowheads="1"/>
+          </p:cNvPicPr>
+          <p:nvPr/>
+        </p:nvPicPr>
+        <p:blipFill>
+          <a:blip r:embed="rId2">
+            <a:extLst>
+              <a:ext uri="{28A0092B-C50C-407E-A947-70E740481C1C}">
+                <a14:useLocalDpi xmlns:a14="http://schemas.microsoft.com/office/drawing/2010/main" val="0"/>
+              </a:ext>
+            </a:extLst>
+          </a:blip>
+          <a:stretch>
+            <a:fillRect/>
+          </a:stretch>
+        </p:blipFill>
+        <p:spPr bwMode="auto">
+          <a:xfrm>
+            <a:off x="0" y="0"/>
+            <a:ext cx="24384000" cy="13716000"/>
+          </a:xfrm>
+          <a:prstGeom prst="rect">
+            <a:avLst/>
+          </a:prstGeom>
+          <a:solidFill>
+            <a:srgbClr val="FFFFFF"/>
+          </a:solidFill>
+          <a:extLst>
+            <a:ext uri="{909E8E84-426E-40DD-AFC4-6F175D3DCCD1}">
+              <a14:hiddenFill xmlns:a14="http://schemas.microsoft.com/office/drawing/2010/main">
+                <a:solidFill>
+                  <a:srgbClr val="FFFFFF"/>
+                </a:solidFill>
+              </a14:hiddenFill>
+            </a:ext>
+          </a:extLst>
+        </p:spPr>
+      </p:pic>
       <p:sp>
         <p:nvSpPr>
           <p:cNvPr id="212" name="Analysis"/>
@@ -8772,35 +9258,35 @@
             <a:spLocks noGrp="1"/>
           </p:cNvSpPr>
           <p:nvPr>
-            <p:ph type="title"/>
+            <p:ph type="body" sz="quarter" idx="1"/>
           </p:nvPr>
         </p:nvSpPr>
         <p:spPr>
           <a:xfrm>
-            <a:off x="1920584" y="5267547"/>
-            <a:ext cx="20929601" cy="1771698"/>
-          </a:xfrm>
-          <a:prstGeom prst="rect">
-            <a:avLst/>
-          </a:prstGeom>
-        </p:spPr>
-        <p:txBody>
-          <a:bodyPr lIns="88900" tIns="88900" rIns="88900" bIns="88900"/>
+            <a:off x="1409700" y="2119884"/>
+            <a:ext cx="10775585" cy="1936416"/>
+          </a:xfrm>
+        </p:spPr>
+        <p:txBody>
+          <a:bodyPr lIns="88900" tIns="88900" rIns="88900" bIns="88900">
+            <a:normAutofit/>
+          </a:bodyPr>
           <a:lstStyle/>
           <a:p>
             <a:pPr defTabSz="543305">
               <a:defRPr sz="7998" spc="-79"/>
             </a:pPr>
             <a:r>
-              <a:rPr dirty="0"/>
+              <a:rPr lang="en-US" dirty="0">
+                <a:solidFill>
+                  <a:schemeClr val="bg1"/>
+                </a:solidFill>
+              </a:rPr>
               <a:t>Analysis</a:t>
             </a:r>
           </a:p>
           <a:p>
-            <a:pPr algn="l" defTabSz="425195">
-              <a:lnSpc>
-                <a:spcPct val="100000"/>
-              </a:lnSpc>
+            <a:pPr defTabSz="425195">
               <a:spcBef>
                 <a:spcPts val="1100"/>
               </a:spcBef>
@@ -8814,7 +9300,63 @@
                 <a:sym typeface="Helvetica Neue"/>
               </a:defRPr>
             </a:pPr>
-            <a:endParaRPr dirty="0"/>
+            <a:endParaRPr lang="en-US" dirty="0"/>
+          </a:p>
+        </p:txBody>
+      </p:sp>
+      <p:sp>
+        <p:nvSpPr>
+          <p:cNvPr id="3079" name="Text Placeholder 3">
+            <a:extLst>
+              <a:ext uri="{FF2B5EF4-FFF2-40B4-BE49-F238E27FC236}">
+                <a16:creationId xmlns:a16="http://schemas.microsoft.com/office/drawing/2014/main" id="{30EC9471-7759-2E35-564A-3A8B25ADBD2F}"/>
+              </a:ext>
+            </a:extLst>
+          </p:cNvPr>
+          <p:cNvSpPr>
+            <a:spLocks noGrp="1"/>
+          </p:cNvSpPr>
+          <p:nvPr>
+            <p:ph type="body" sz="quarter" idx="22"/>
+          </p:nvPr>
+        </p:nvSpPr>
+        <p:spPr>
+          <a:xfrm>
+            <a:off x="1409700" y="4051453"/>
+            <a:ext cx="10775585" cy="6104918"/>
+          </a:xfrm>
+        </p:spPr>
+        <p:txBody>
+          <a:bodyPr anchor="ctr">
+            <a:noAutofit/>
+          </a:bodyPr>
+          <a:lstStyle/>
+          <a:p>
+            <a:pPr>
+              <a:spcAft>
+                <a:spcPts val="600"/>
+              </a:spcAft>
+            </a:pPr>
+            <a:r>
+              <a:rPr lang="en-US" sz="2800" dirty="0">
+                <a:solidFill>
+                  <a:schemeClr val="bg1"/>
+                </a:solidFill>
+              </a:rPr>
+              <a:t>This analysis explores NBA game performance from 2002 to 2022, focusing on scoring patterns and home-court advantage. Statistical tests, including t-tests and ANOVA, were applied to compare home vs. away points and evaluate seasonal trends. The results show that home teams consistently score higher, confirming a measurable home-court advantage, while overall scoring has increased over the years due to faster-paced, offense-driven play styles.</a:t>
+            </a:r>
+          </a:p>
+          <a:p>
+            <a:pPr>
+              <a:spcAft>
+                <a:spcPts val="600"/>
+              </a:spcAft>
+            </a:pPr>
+            <a:endParaRPr lang="en-US" sz="2800" dirty="0">
+              <a:solidFill>
+                <a:schemeClr val="bg1"/>
+              </a:solidFill>
+            </a:endParaRPr>
           </a:p>
         </p:txBody>
       </p:sp>
@@ -8828,6 +9370,400 @@
 </file>
 
 <file path=ppt/slides/slide7.xml><?xml version="1.0" encoding="utf-8"?>
+<p:sld xmlns:a="http://schemas.openxmlformats.org/drawingml/2006/main" xmlns:r="http://schemas.openxmlformats.org/officeDocument/2006/relationships" xmlns:p="http://schemas.openxmlformats.org/presentationml/2006/main">
+  <p:cSld>
+    <p:spTree>
+      <p:nvGrpSpPr>
+        <p:cNvPr id="1" name="">
+          <a:extLst>
+            <a:ext uri="{FF2B5EF4-FFF2-40B4-BE49-F238E27FC236}">
+              <a16:creationId xmlns:a16="http://schemas.microsoft.com/office/drawing/2014/main" id="{A5578EFE-64A5-0513-A4A5-548DD09E590D}"/>
+            </a:ext>
+          </a:extLst>
+        </p:cNvPr>
+        <p:cNvGrpSpPr/>
+        <p:nvPr/>
+      </p:nvGrpSpPr>
+      <p:grpSpPr>
+        <a:xfrm>
+          <a:off x="0" y="0"/>
+          <a:ext cx="0" cy="0"/>
+          <a:chOff x="0" y="0"/>
+          <a:chExt cx="0" cy="0"/>
+        </a:xfrm>
+      </p:grpSpPr>
+      <p:sp>
+        <p:nvSpPr>
+          <p:cNvPr id="209" name="Methodology">
+            <a:extLst>
+              <a:ext uri="{FF2B5EF4-FFF2-40B4-BE49-F238E27FC236}">
+                <a16:creationId xmlns:a16="http://schemas.microsoft.com/office/drawing/2014/main" id="{649A5EBB-FA81-AD63-231F-ACC4EB822F52}"/>
+              </a:ext>
+            </a:extLst>
+          </p:cNvPr>
+          <p:cNvSpPr txBox="1">
+            <a:spLocks noGrp="1"/>
+          </p:cNvSpPr>
+          <p:nvPr>
+            <p:ph type="title"/>
+          </p:nvPr>
+        </p:nvSpPr>
+        <p:spPr>
+          <a:xfrm>
+            <a:off x="1727200" y="1739900"/>
+            <a:ext cx="20929600" cy="1323504"/>
+          </a:xfrm>
+          <a:prstGeom prst="rect">
+            <a:avLst/>
+          </a:prstGeom>
+        </p:spPr>
+        <p:txBody>
+          <a:bodyPr/>
+          <a:lstStyle/>
+          <a:p>
+            <a:r>
+              <a:rPr lang="en-US" b="1" dirty="0"/>
+              <a:t>Statistical Validation</a:t>
+            </a:r>
+          </a:p>
+        </p:txBody>
+      </p:sp>
+      <p:sp>
+        <p:nvSpPr>
+          <p:cNvPr id="5" name="TextBox 4">
+            <a:extLst>
+              <a:ext uri="{FF2B5EF4-FFF2-40B4-BE49-F238E27FC236}">
+                <a16:creationId xmlns:a16="http://schemas.microsoft.com/office/drawing/2014/main" id="{CC9A96E6-2461-CD64-F4DC-E655D4AA4EB6}"/>
+              </a:ext>
+            </a:extLst>
+          </p:cNvPr>
+          <p:cNvSpPr txBox="1"/>
+          <p:nvPr/>
+        </p:nvSpPr>
+        <p:spPr>
+          <a:xfrm>
+            <a:off x="1727200" y="2769489"/>
+            <a:ext cx="20929599" cy="9836026"/>
+          </a:xfrm>
+          <a:prstGeom prst="rect">
+            <a:avLst/>
+          </a:prstGeom>
+          <a:noFill/>
+          <a:ln w="12700" cap="flat">
+            <a:noFill/>
+            <a:miter lim="400000"/>
+          </a:ln>
+          <a:effectLst/>
+          <a:sp3d/>
+        </p:spPr>
+        <p:style>
+          <a:lnRef idx="0">
+            <a:scrgbClr r="0" g="0" b="0"/>
+          </a:lnRef>
+          <a:fillRef idx="0">
+            <a:scrgbClr r="0" g="0" b="0"/>
+          </a:fillRef>
+          <a:effectRef idx="0">
+            <a:scrgbClr r="0" g="0" b="0"/>
+          </a:effectRef>
+          <a:fontRef idx="none"/>
+        </p:style>
+        <p:txBody>
+          <a:bodyPr rot="0" spcFirstLastPara="1" vertOverflow="overflow" horzOverflow="overflow" vert="horz" wrap="square" lIns="50800" tIns="50800" rIns="50800" bIns="50800" numCol="1" spcCol="38100" rtlCol="0" anchor="t">
+            <a:spAutoFit/>
+          </a:bodyPr>
+          <a:lstStyle/>
+          <a:p>
+            <a:pPr>
+              <a:lnSpc>
+                <a:spcPct val="114000"/>
+              </a:lnSpc>
+            </a:pPr>
+            <a:r>
+              <a:rPr lang="en-US" dirty="0"/>
+              <a:t>To support the analysis, three statistical tests were conducted:</a:t>
+            </a:r>
+          </a:p>
+          <a:p>
+            <a:pPr>
+              <a:lnSpc>
+                <a:spcPct val="114000"/>
+              </a:lnSpc>
+            </a:pPr>
+            <a:r>
+              <a:rPr lang="en-US" b="1" dirty="0"/>
+              <a:t>Two-Sample t-Test (Home vs Away Points):</a:t>
+            </a:r>
+          </a:p>
+          <a:p>
+            <a:pPr>
+              <a:lnSpc>
+                <a:spcPct val="114000"/>
+              </a:lnSpc>
+            </a:pPr>
+            <a:r>
+              <a:rPr lang="en-US" dirty="0"/>
+              <a:t>The p-value was less than 0.05, indicating a significant difference between home and away team scores. This confirms that home teams consistently perform better, showing a clear home-court advantage.</a:t>
+            </a:r>
+          </a:p>
+          <a:p>
+            <a:pPr>
+              <a:lnSpc>
+                <a:spcPct val="114000"/>
+              </a:lnSpc>
+            </a:pPr>
+            <a:r>
+              <a:rPr lang="en-US" b="1" dirty="0"/>
+              <a:t>One-Way ANOVA (Monthly Scoring Differences):</a:t>
+            </a:r>
+          </a:p>
+          <a:p>
+            <a:pPr>
+              <a:lnSpc>
+                <a:spcPct val="114000"/>
+              </a:lnSpc>
+            </a:pPr>
+            <a:r>
+              <a:rPr lang="en-US" dirty="0"/>
+              <a:t>The p-value was greater than 0.05, meaning there was no significant difference in scoring between months. This shows that team performance remains consistent throughout the season.</a:t>
+            </a:r>
+          </a:p>
+          <a:p>
+            <a:pPr>
+              <a:lnSpc>
+                <a:spcPct val="114000"/>
+              </a:lnSpc>
+            </a:pPr>
+            <a:r>
+              <a:rPr lang="en-US" b="1" dirty="0"/>
+              <a:t>Linear Regression (Scoring Over Time):</a:t>
+            </a:r>
+          </a:p>
+          <a:p>
+            <a:pPr>
+              <a:lnSpc>
+                <a:spcPct val="114000"/>
+              </a:lnSpc>
+            </a:pPr>
+            <a:r>
+              <a:rPr lang="en-US" dirty="0"/>
+              <a:t>The regression showed a strong positive correlation (R² = 0.78) between year and total points per game. This confirms that NBA scoring has steadily increased since 2012, reflecting a shift toward faster-paced and offense-focused gameplay.</a:t>
+            </a:r>
+          </a:p>
+        </p:txBody>
+      </p:sp>
+    </p:spTree>
+    <p:extLst>
+      <p:ext uri="{BB962C8B-B14F-4D97-AF65-F5344CB8AC3E}">
+        <p14:creationId xmlns:p14="http://schemas.microsoft.com/office/powerpoint/2010/main" val="336533629"/>
+      </p:ext>
+    </p:extLst>
+  </p:cSld>
+  <p:clrMapOvr>
+    <a:masterClrMapping/>
+  </p:clrMapOvr>
+  <p:transition spd="med"/>
+</p:sld>
+</file>
+
+<file path=ppt/slides/slide8.xml><?xml version="1.0" encoding="utf-8"?>
+<p:sld xmlns:a="http://schemas.openxmlformats.org/drawingml/2006/main" xmlns:r="http://schemas.openxmlformats.org/officeDocument/2006/relationships" xmlns:p="http://schemas.openxmlformats.org/presentationml/2006/main">
+  <p:cSld>
+    <p:spTree>
+      <p:nvGrpSpPr>
+        <p:cNvPr id="1" name="">
+          <a:extLst>
+            <a:ext uri="{FF2B5EF4-FFF2-40B4-BE49-F238E27FC236}">
+              <a16:creationId xmlns:a16="http://schemas.microsoft.com/office/drawing/2014/main" id="{E54602A3-EA6D-D3C9-A125-56DB71C3DCDA}"/>
+            </a:ext>
+          </a:extLst>
+        </p:cNvPr>
+        <p:cNvGrpSpPr/>
+        <p:nvPr/>
+      </p:nvGrpSpPr>
+      <p:grpSpPr>
+        <a:xfrm>
+          <a:off x="0" y="0"/>
+          <a:ext cx="0" cy="0"/>
+          <a:chOff x="0" y="0"/>
+          <a:chExt cx="0" cy="0"/>
+        </a:xfrm>
+      </p:grpSpPr>
+      <p:sp>
+        <p:nvSpPr>
+          <p:cNvPr id="209" name="Methodology">
+            <a:extLst>
+              <a:ext uri="{FF2B5EF4-FFF2-40B4-BE49-F238E27FC236}">
+                <a16:creationId xmlns:a16="http://schemas.microsoft.com/office/drawing/2014/main" id="{CCBDC309-EEF0-6867-94BB-A2CDAE7CF2EC}"/>
+              </a:ext>
+            </a:extLst>
+          </p:cNvPr>
+          <p:cNvSpPr txBox="1">
+            <a:spLocks noGrp="1"/>
+          </p:cNvSpPr>
+          <p:nvPr>
+            <p:ph type="title"/>
+          </p:nvPr>
+        </p:nvSpPr>
+        <p:spPr>
+          <a:xfrm>
+            <a:off x="1727200" y="1739900"/>
+            <a:ext cx="20929600" cy="1323504"/>
+          </a:xfrm>
+          <a:prstGeom prst="rect">
+            <a:avLst/>
+          </a:prstGeom>
+        </p:spPr>
+        <p:txBody>
+          <a:bodyPr/>
+          <a:lstStyle/>
+          <a:p>
+            <a:r>
+              <a:rPr lang="en-US" b="1" dirty="0"/>
+              <a:t>Statistical Validation</a:t>
+            </a:r>
+          </a:p>
+        </p:txBody>
+      </p:sp>
+      <p:sp>
+        <p:nvSpPr>
+          <p:cNvPr id="5" name="TextBox 4">
+            <a:extLst>
+              <a:ext uri="{FF2B5EF4-FFF2-40B4-BE49-F238E27FC236}">
+                <a16:creationId xmlns:a16="http://schemas.microsoft.com/office/drawing/2014/main" id="{E69DB530-C537-B7AE-F41D-B088CFDF4283}"/>
+              </a:ext>
+            </a:extLst>
+          </p:cNvPr>
+          <p:cNvSpPr txBox="1"/>
+          <p:nvPr/>
+        </p:nvSpPr>
+        <p:spPr>
+          <a:xfrm>
+            <a:off x="1727200" y="2769489"/>
+            <a:ext cx="20929599" cy="9836026"/>
+          </a:xfrm>
+          <a:prstGeom prst="rect">
+            <a:avLst/>
+          </a:prstGeom>
+          <a:noFill/>
+          <a:ln w="12700" cap="flat">
+            <a:noFill/>
+            <a:miter lim="400000"/>
+          </a:ln>
+          <a:effectLst/>
+          <a:sp3d/>
+        </p:spPr>
+        <p:style>
+          <a:lnRef idx="0">
+            <a:scrgbClr r="0" g="0" b="0"/>
+          </a:lnRef>
+          <a:fillRef idx="0">
+            <a:scrgbClr r="0" g="0" b="0"/>
+          </a:fillRef>
+          <a:effectRef idx="0">
+            <a:scrgbClr r="0" g="0" b="0"/>
+          </a:effectRef>
+          <a:fontRef idx="none"/>
+        </p:style>
+        <p:txBody>
+          <a:bodyPr rot="0" spcFirstLastPara="1" vertOverflow="overflow" horzOverflow="overflow" vert="horz" wrap="square" lIns="50800" tIns="50800" rIns="50800" bIns="50800" numCol="1" spcCol="38100" rtlCol="0" anchor="t">
+            <a:spAutoFit/>
+          </a:bodyPr>
+          <a:lstStyle/>
+          <a:p>
+            <a:pPr>
+              <a:lnSpc>
+                <a:spcPct val="114000"/>
+              </a:lnSpc>
+            </a:pPr>
+            <a:r>
+              <a:rPr lang="en-US" dirty="0"/>
+              <a:t>To support the analysis, three statistical tests were conducted:</a:t>
+            </a:r>
+          </a:p>
+          <a:p>
+            <a:pPr>
+              <a:lnSpc>
+                <a:spcPct val="114000"/>
+              </a:lnSpc>
+            </a:pPr>
+            <a:r>
+              <a:rPr lang="en-US" b="1" dirty="0"/>
+              <a:t>Two-Sample t-Test (Home vs Away Points):</a:t>
+            </a:r>
+          </a:p>
+          <a:p>
+            <a:pPr>
+              <a:lnSpc>
+                <a:spcPct val="114000"/>
+              </a:lnSpc>
+            </a:pPr>
+            <a:r>
+              <a:rPr lang="en-US" dirty="0"/>
+              <a:t>The p-value was less than 0.05, indicating a significant difference between home and away team scores. This confirms that home teams consistently perform better, showing a clear home-court advantage.</a:t>
+            </a:r>
+          </a:p>
+          <a:p>
+            <a:pPr>
+              <a:lnSpc>
+                <a:spcPct val="114000"/>
+              </a:lnSpc>
+            </a:pPr>
+            <a:r>
+              <a:rPr lang="en-US" b="1" dirty="0"/>
+              <a:t>One-Way ANOVA (Monthly Scoring Differences):</a:t>
+            </a:r>
+          </a:p>
+          <a:p>
+            <a:pPr>
+              <a:lnSpc>
+                <a:spcPct val="114000"/>
+              </a:lnSpc>
+            </a:pPr>
+            <a:r>
+              <a:rPr lang="en-US" dirty="0"/>
+              <a:t>The p-value was greater than 0.05, meaning there was no significant difference in scoring between months. This shows that team performance remains consistent throughout the season.</a:t>
+            </a:r>
+          </a:p>
+          <a:p>
+            <a:pPr>
+              <a:lnSpc>
+                <a:spcPct val="114000"/>
+              </a:lnSpc>
+            </a:pPr>
+            <a:r>
+              <a:rPr lang="en-US" b="1" dirty="0"/>
+              <a:t>Linear Regression (Scoring Over Time):</a:t>
+            </a:r>
+          </a:p>
+          <a:p>
+            <a:pPr>
+              <a:lnSpc>
+                <a:spcPct val="114000"/>
+              </a:lnSpc>
+            </a:pPr>
+            <a:r>
+              <a:rPr lang="en-US" dirty="0"/>
+              <a:t>The regression showed a strong positive correlation (R² = 0.78) between year and total points per game. This confirms that NBA scoring has steadily increased since 2012, reflecting a shift toward faster-paced and offense-focused gameplay.</a:t>
+            </a:r>
+          </a:p>
+        </p:txBody>
+      </p:sp>
+    </p:spTree>
+    <p:extLst>
+      <p:ext uri="{BB962C8B-B14F-4D97-AF65-F5344CB8AC3E}">
+        <p14:creationId xmlns:p14="http://schemas.microsoft.com/office/powerpoint/2010/main" val="4073351319"/>
+      </p:ext>
+    </p:extLst>
+  </p:cSld>
+  <p:clrMapOvr>
+    <a:masterClrMapping/>
+  </p:clrMapOvr>
+  <p:transition spd="med"/>
+</p:sld>
+</file>
+
+<file path=ppt/slides/slide9.xml><?xml version="1.0" encoding="utf-8"?>
 <p:sld xmlns:a="http://schemas.openxmlformats.org/drawingml/2006/main" xmlns:r="http://schemas.openxmlformats.org/officeDocument/2006/relationships" xmlns:p="http://schemas.openxmlformats.org/presentationml/2006/main">
   <p:cSld>
     <p:spTree>
@@ -8863,7 +9799,7 @@
           </a:ln>
           <a:extLst>
             <a:ext uri="{C572A759-6A51-4108-AA02-DFA0A04FC94B}">
-              <ma14:wrappingTextBoxFlag xmlns:ma14="http://schemas.microsoft.com/office/mac/drawingml/2011/main" xmlns:a14="http://schemas.microsoft.com/office/drawing/2010/main" xmlns:m="http://schemas.openxmlformats.org/officeDocument/2006/math" xmlns="" val="1"/>
+              <ma14:wrappingTextBoxFlag xmlns="" xmlns:m="http://schemas.openxmlformats.org/officeDocument/2006/math" xmlns:a14="http://schemas.microsoft.com/office/drawing/2010/main" xmlns:ma14="http://schemas.microsoft.com/office/mac/drawingml/2011/main" val="1"/>
             </a:ext>
           </a:extLst>
         </p:spPr>
@@ -9001,366 +9937,6 @@
         </p:spPr>
       </p:pic>
     </p:spTree>
-  </p:cSld>
-  <p:clrMapOvr>
-    <a:masterClrMapping/>
-  </p:clrMapOvr>
-  <p:transition spd="med"/>
-</p:sld>
-</file>
-
-<file path=ppt/slides/slide8.xml><?xml version="1.0" encoding="utf-8"?>
-<p:sld xmlns:a="http://schemas.openxmlformats.org/drawingml/2006/main" xmlns:r="http://schemas.openxmlformats.org/officeDocument/2006/relationships" xmlns:p="http://schemas.openxmlformats.org/presentationml/2006/main">
-  <p:cSld>
-    <p:spTree>
-      <p:nvGrpSpPr>
-        <p:cNvPr id="1" name="">
-          <a:extLst>
-            <a:ext uri="{FF2B5EF4-FFF2-40B4-BE49-F238E27FC236}">
-              <a16:creationId xmlns:a16="http://schemas.microsoft.com/office/drawing/2014/main" id="{3D3E6457-47D4-3752-C642-B03B966FA225}"/>
-            </a:ext>
-          </a:extLst>
-        </p:cNvPr>
-        <p:cNvGrpSpPr/>
-        <p:nvPr/>
-      </p:nvGrpSpPr>
-      <p:grpSpPr>
-        <a:xfrm>
-          <a:off x="0" y="0"/>
-          <a:ext cx="0" cy="0"/>
-          <a:chOff x="0" y="0"/>
-          <a:chExt cx="0" cy="0"/>
-        </a:xfrm>
-      </p:grpSpPr>
-      <p:sp>
-        <p:nvSpPr>
-          <p:cNvPr id="215" name="Use the data and look at it through the lens of a professional data analyst. The skills you have acquired will guide you to build your story from start to finish. Before you can do that, you will need to analyze the spreadsheet and each worksheet.">
-            <a:extLst>
-              <a:ext uri="{FF2B5EF4-FFF2-40B4-BE49-F238E27FC236}">
-                <a16:creationId xmlns:a16="http://schemas.microsoft.com/office/drawing/2014/main" id="{70DA1C4B-A352-C0E3-89E9-A47BC246FCA3}"/>
-              </a:ext>
-            </a:extLst>
-          </p:cNvPr>
-          <p:cNvSpPr txBox="1"/>
-          <p:nvPr/>
-        </p:nvSpPr>
-        <p:spPr>
-          <a:xfrm>
-            <a:off x="14547591" y="3629655"/>
-            <a:ext cx="9152130" cy="4504310"/>
-          </a:xfrm>
-          <a:prstGeom prst="rect">
-            <a:avLst/>
-          </a:prstGeom>
-          <a:ln w="12700">
-            <a:miter lim="400000"/>
-          </a:ln>
-          <a:extLst>
-            <a:ext uri="{C572A759-6A51-4108-AA02-DFA0A04FC94B}">
-              <ma14:wrappingTextBoxFlag xmlns="" xmlns:m="http://schemas.openxmlformats.org/officeDocument/2006/math" xmlns:a14="http://schemas.microsoft.com/office/drawing/2010/main" xmlns:ma14="http://schemas.microsoft.com/office/mac/drawingml/2011/main" val="1"/>
-            </a:ext>
-          </a:extLst>
-        </p:spPr>
-        <p:txBody>
-          <a:bodyPr lIns="50800" tIns="50800" rIns="50800" bIns="50800" anchor="ctr">
-            <a:spAutoFit/>
-          </a:bodyPr>
-          <a:lstStyle/>
-          <a:p>
-            <a:pPr>
-              <a:lnSpc>
-                <a:spcPct val="114000"/>
-              </a:lnSpc>
-            </a:pPr>
-            <a:r>
-              <a:rPr lang="en-US" dirty="0"/>
-              <a:t>The line chart shows that average team points have steadily increased over the years, indicating faster-paced games and evolving offensive strategies.</a:t>
-            </a:r>
-            <a:br>
-              <a:rPr lang="en-US" dirty="0"/>
-            </a:br>
-            <a:r>
-              <a:rPr lang="en-US" dirty="0"/>
-              <a:t>Peaks in certain seasons suggest rule or playstyle changes that promoted higher scoring.</a:t>
-            </a:r>
-            <a:endParaRPr dirty="0"/>
-          </a:p>
-        </p:txBody>
-      </p:sp>
-      <p:sp>
-        <p:nvSpPr>
-          <p:cNvPr id="216" name="Analysis">
-            <a:extLst>
-              <a:ext uri="{FF2B5EF4-FFF2-40B4-BE49-F238E27FC236}">
-                <a16:creationId xmlns:a16="http://schemas.microsoft.com/office/drawing/2014/main" id="{A57BA1E4-5175-01EC-5294-05FAC1E4C277}"/>
-              </a:ext>
-            </a:extLst>
-          </p:cNvPr>
-          <p:cNvSpPr txBox="1">
-            <a:spLocks noGrp="1"/>
-          </p:cNvSpPr>
-          <p:nvPr>
-            <p:ph type="title"/>
-          </p:nvPr>
-        </p:nvSpPr>
-        <p:spPr>
-          <a:xfrm>
-            <a:off x="14642824" y="1873418"/>
-            <a:ext cx="8105495" cy="1041503"/>
-          </a:xfrm>
-          <a:prstGeom prst="rect">
-            <a:avLst/>
-          </a:prstGeom>
-        </p:spPr>
-        <p:txBody>
-          <a:bodyPr lIns="88900" tIns="88900" rIns="88900" bIns="88900"/>
-          <a:lstStyle/>
-          <a:p>
-            <a:pPr defTabSz="292100">
-              <a:defRPr sz="4300" spc="-43"/>
-            </a:pPr>
-            <a:r>
-              <a:t>Analysis</a:t>
-            </a:r>
-          </a:p>
-          <a:p>
-            <a:pPr algn="l" defTabSz="228600">
-              <a:lnSpc>
-                <a:spcPct val="100000"/>
-              </a:lnSpc>
-              <a:spcBef>
-                <a:spcPts val="600"/>
-              </a:spcBef>
-              <a:defRPr sz="700" spc="0">
-                <a:solidFill>
-                  <a:srgbClr val="000000"/>
-                </a:solidFill>
-                <a:latin typeface="Helvetica Neue"/>
-                <a:ea typeface="Helvetica Neue"/>
-                <a:cs typeface="Helvetica Neue"/>
-                <a:sym typeface="Helvetica Neue"/>
-              </a:defRPr>
-            </a:pPr>
-            <a:endParaRPr/>
-          </a:p>
-        </p:txBody>
-      </p:sp>
-      <p:pic>
-        <p:nvPicPr>
-          <p:cNvPr id="2" name="Picture 1">
-            <a:extLst>
-              <a:ext uri="{FF2B5EF4-FFF2-40B4-BE49-F238E27FC236}">
-                <a16:creationId xmlns:a16="http://schemas.microsoft.com/office/drawing/2014/main" id="{F51F68B2-3C80-6AE5-3B2B-C01059BD3A27}"/>
-              </a:ext>
-            </a:extLst>
-          </p:cNvPr>
-          <p:cNvPicPr>
-            <a:picLocks noChangeAspect="1"/>
-          </p:cNvPicPr>
-          <p:nvPr/>
-        </p:nvPicPr>
-        <p:blipFill>
-          <a:blip r:embed="rId2"/>
-          <a:stretch>
-            <a:fillRect/>
-          </a:stretch>
-        </p:blipFill>
-        <p:spPr>
-          <a:xfrm>
-            <a:off x="684279" y="3155198"/>
-            <a:ext cx="13246942" cy="5453224"/>
-          </a:xfrm>
-          <a:prstGeom prst="rect">
-            <a:avLst/>
-          </a:prstGeom>
-        </p:spPr>
-      </p:pic>
-    </p:spTree>
-    <p:extLst>
-      <p:ext uri="{BB962C8B-B14F-4D97-AF65-F5344CB8AC3E}">
-        <p14:creationId xmlns:p14="http://schemas.microsoft.com/office/powerpoint/2010/main" val="3551584661"/>
-      </p:ext>
-    </p:extLst>
-  </p:cSld>
-  <p:clrMapOvr>
-    <a:masterClrMapping/>
-  </p:clrMapOvr>
-  <p:transition spd="med"/>
-</p:sld>
-</file>
-
-<file path=ppt/slides/slide9.xml><?xml version="1.0" encoding="utf-8"?>
-<p:sld xmlns:a="http://schemas.openxmlformats.org/drawingml/2006/main" xmlns:r="http://schemas.openxmlformats.org/officeDocument/2006/relationships" xmlns:p="http://schemas.openxmlformats.org/presentationml/2006/main">
-  <p:cSld>
-    <p:spTree>
-      <p:nvGrpSpPr>
-        <p:cNvPr id="1" name="">
-          <a:extLst>
-            <a:ext uri="{FF2B5EF4-FFF2-40B4-BE49-F238E27FC236}">
-              <a16:creationId xmlns:a16="http://schemas.microsoft.com/office/drawing/2014/main" id="{E95EBC69-FE20-3CC7-259E-19931897DA32}"/>
-            </a:ext>
-          </a:extLst>
-        </p:cNvPr>
-        <p:cNvGrpSpPr/>
-        <p:nvPr/>
-      </p:nvGrpSpPr>
-      <p:grpSpPr>
-        <a:xfrm>
-          <a:off x="0" y="0"/>
-          <a:ext cx="0" cy="0"/>
-          <a:chOff x="0" y="0"/>
-          <a:chExt cx="0" cy="0"/>
-        </a:xfrm>
-      </p:grpSpPr>
-      <p:sp>
-        <p:nvSpPr>
-          <p:cNvPr id="215" name="Use the data and look at it through the lens of a professional data analyst. The skills you have acquired will guide you to build your story from start to finish. Before you can do that, you will need to analyze the spreadsheet and each worksheet.">
-            <a:extLst>
-              <a:ext uri="{FF2B5EF4-FFF2-40B4-BE49-F238E27FC236}">
-                <a16:creationId xmlns:a16="http://schemas.microsoft.com/office/drawing/2014/main" id="{24C8E1BA-FF6C-4E83-220B-5EC9B8BBBDF1}"/>
-              </a:ext>
-            </a:extLst>
-          </p:cNvPr>
-          <p:cNvSpPr txBox="1"/>
-          <p:nvPr/>
-        </p:nvSpPr>
-        <p:spPr>
-          <a:xfrm>
-            <a:off x="14547591" y="3945446"/>
-            <a:ext cx="9152130" cy="3872727"/>
-          </a:xfrm>
-          <a:prstGeom prst="rect">
-            <a:avLst/>
-          </a:prstGeom>
-          <a:ln w="12700">
-            <a:miter lim="400000"/>
-          </a:ln>
-          <a:extLst>
-            <a:ext uri="{C572A759-6A51-4108-AA02-DFA0A04FC94B}">
-              <ma14:wrappingTextBoxFlag xmlns:ma14="http://schemas.microsoft.com/office/mac/drawingml/2011/main" xmlns:a14="http://schemas.microsoft.com/office/drawing/2010/main" xmlns:m="http://schemas.openxmlformats.org/officeDocument/2006/math" xmlns="" val="1"/>
-            </a:ext>
-          </a:extLst>
-        </p:spPr>
-        <p:txBody>
-          <a:bodyPr lIns="50800" tIns="50800" rIns="50800" bIns="50800" anchor="ctr">
-            <a:spAutoFit/>
-          </a:bodyPr>
-          <a:lstStyle/>
-          <a:p>
-            <a:pPr>
-              <a:lnSpc>
-                <a:spcPct val="114000"/>
-              </a:lnSpc>
-            </a:pPr>
-            <a:r>
-              <a:rPr lang="en-US" dirty="0"/>
-              <a:t>The distribution plot shows that scoring remains fairly consistent month-to-month, with a few high-scoring outliers, especially late in the season (around December).</a:t>
-            </a:r>
-            <a:br>
-              <a:rPr lang="en-US" dirty="0"/>
-            </a:br>
-            <a:r>
-              <a:rPr lang="en-US" dirty="0"/>
-              <a:t>This consistency reflects balanced league-wide scoring trends.</a:t>
-            </a:r>
-            <a:endParaRPr dirty="0"/>
-          </a:p>
-        </p:txBody>
-      </p:sp>
-      <p:sp>
-        <p:nvSpPr>
-          <p:cNvPr id="216" name="Analysis">
-            <a:extLst>
-              <a:ext uri="{FF2B5EF4-FFF2-40B4-BE49-F238E27FC236}">
-                <a16:creationId xmlns:a16="http://schemas.microsoft.com/office/drawing/2014/main" id="{82CC322D-2753-EB6E-C837-CEABAF22247B}"/>
-              </a:ext>
-            </a:extLst>
-          </p:cNvPr>
-          <p:cNvSpPr txBox="1">
-            <a:spLocks noGrp="1"/>
-          </p:cNvSpPr>
-          <p:nvPr>
-            <p:ph type="title"/>
-          </p:nvPr>
-        </p:nvSpPr>
-        <p:spPr>
-          <a:xfrm>
-            <a:off x="14642824" y="1873418"/>
-            <a:ext cx="8105495" cy="1041503"/>
-          </a:xfrm>
-          <a:prstGeom prst="rect">
-            <a:avLst/>
-          </a:prstGeom>
-        </p:spPr>
-        <p:txBody>
-          <a:bodyPr lIns="88900" tIns="88900" rIns="88900" bIns="88900"/>
-          <a:lstStyle/>
-          <a:p>
-            <a:pPr defTabSz="292100">
-              <a:defRPr sz="4300" spc="-43"/>
-            </a:pPr>
-            <a:r>
-              <a:t>Analysis</a:t>
-            </a:r>
-          </a:p>
-          <a:p>
-            <a:pPr algn="l" defTabSz="228600">
-              <a:lnSpc>
-                <a:spcPct val="100000"/>
-              </a:lnSpc>
-              <a:spcBef>
-                <a:spcPts val="600"/>
-              </a:spcBef>
-              <a:defRPr sz="700" spc="0">
-                <a:solidFill>
-                  <a:srgbClr val="000000"/>
-                </a:solidFill>
-                <a:latin typeface="Helvetica Neue"/>
-                <a:ea typeface="Helvetica Neue"/>
-                <a:cs typeface="Helvetica Neue"/>
-                <a:sym typeface="Helvetica Neue"/>
-              </a:defRPr>
-            </a:pPr>
-            <a:endParaRPr/>
-          </a:p>
-        </p:txBody>
-      </p:sp>
-      <p:pic>
-        <p:nvPicPr>
-          <p:cNvPr id="3" name="Picture 2">
-            <a:extLst>
-              <a:ext uri="{FF2B5EF4-FFF2-40B4-BE49-F238E27FC236}">
-                <a16:creationId xmlns:a16="http://schemas.microsoft.com/office/drawing/2014/main" id="{6B49ECAE-F524-BA58-D644-5DC3327F67E7}"/>
-              </a:ext>
-            </a:extLst>
-          </p:cNvPr>
-          <p:cNvPicPr>
-            <a:picLocks noChangeAspect="1"/>
-          </p:cNvPicPr>
-          <p:nvPr/>
-        </p:nvPicPr>
-        <p:blipFill>
-          <a:blip r:embed="rId2"/>
-          <a:stretch>
-            <a:fillRect/>
-          </a:stretch>
-        </p:blipFill>
-        <p:spPr>
-          <a:xfrm>
-            <a:off x="684279" y="2840030"/>
-            <a:ext cx="13409768" cy="8035939"/>
-          </a:xfrm>
-          <a:prstGeom prst="rect">
-            <a:avLst/>
-          </a:prstGeom>
-        </p:spPr>
-      </p:pic>
-    </p:spTree>
-    <p:extLst>
-      <p:ext uri="{BB962C8B-B14F-4D97-AF65-F5344CB8AC3E}">
-        <p14:creationId xmlns:p14="http://schemas.microsoft.com/office/powerpoint/2010/main" val="2052907133"/>
-      </p:ext>
-    </p:extLst>
   </p:cSld>
   <p:clrMapOvr>
     <a:masterClrMapping/>
